--- a/courses/apcsp/lectures/lect2.pptx
+++ b/courses/apcsp/lectures/lect2.pptx
@@ -25,7 +25,7 @@
     <p:sldId id="436" r:id="rId16"/>
     <p:sldId id="437" r:id="rId17"/>
     <p:sldId id="438" r:id="rId18"/>
-    <p:sldId id="302" r:id="rId19"/>
+    <p:sldId id="439" r:id="rId19"/>
     <p:sldId id="303" r:id="rId20"/>
     <p:sldId id="284" r:id="rId21"/>
   </p:sldIdLst>
@@ -137,8 +137,7 @@
 <file path=ppt/revisionInfo.xml><?xml version="1.0" encoding="utf-8"?>
 <p1510:revInfo xmlns:a="http://schemas.openxmlformats.org/drawingml/2006/main" xmlns:r="http://schemas.openxmlformats.org/officeDocument/2006/relationships" xmlns:p1510="http://schemas.microsoft.com/office/powerpoint/2015/10/main">
   <p1510:revLst>
-    <p1510:client id="{9693B0CB-430D-7248-9519-850962F252D4}" v="2537" dt="2021-05-30T16:40:53.664"/>
-    <p1510:client id="{A752C5CC-819B-C44B-97C4-90D32712BE07}" v="2" dt="2021-05-31T00:29:01.860"/>
+    <p1510:client id="{A752C5CC-819B-C44B-97C4-90D32712BE07}" v="459" dt="2021-06-03T12:49:12.178"/>
   </p1510:revLst>
 </p1510:revInfo>
 </file>
@@ -2614,11 +2613,26 @@
   </pc:docChgLst>
   <pc:docChgLst>
     <pc:chgData name="Long B Nguyen" userId="f59fb8f3-a021-417a-8bc1-65c8d471c621" providerId="ADAL" clId="{A752C5CC-819B-C44B-97C4-90D32712BE07}"/>
-    <pc:docChg chg="delSld modSld">
-      <pc:chgData name="Long B Nguyen" userId="f59fb8f3-a021-417a-8bc1-65c8d471c621" providerId="ADAL" clId="{A752C5CC-819B-C44B-97C4-90D32712BE07}" dt="2021-05-31T00:29:01.860" v="32" actId="207"/>
+    <pc:docChg chg="undo custSel addSld delSld modSld">
+      <pc:chgData name="Long B Nguyen" userId="f59fb8f3-a021-417a-8bc1-65c8d471c621" providerId="ADAL" clId="{A752C5CC-819B-C44B-97C4-90D32712BE07}" dt="2021-06-03T12:49:12.177" v="1051" actId="20577"/>
       <pc:docMkLst>
         <pc:docMk/>
       </pc:docMkLst>
+      <pc:sldChg chg="modSp mod modAnim">
+        <pc:chgData name="Long B Nguyen" userId="f59fb8f3-a021-417a-8bc1-65c8d471c621" providerId="ADAL" clId="{A752C5CC-819B-C44B-97C4-90D32712BE07}" dt="2021-06-03T12:46:41.964" v="908" actId="20577"/>
+        <pc:sldMkLst>
+          <pc:docMk/>
+          <pc:sldMk cId="2207246265" sldId="257"/>
+        </pc:sldMkLst>
+        <pc:spChg chg="mod">
+          <ac:chgData name="Long B Nguyen" userId="f59fb8f3-a021-417a-8bc1-65c8d471c621" providerId="ADAL" clId="{A752C5CC-819B-C44B-97C4-90D32712BE07}" dt="2021-06-03T12:46:41.964" v="908" actId="20577"/>
+          <ac:spMkLst>
+            <pc:docMk/>
+            <pc:sldMk cId="2207246265" sldId="257"/>
+            <ac:spMk id="9" creationId="{E3B2E017-30B2-884B-A113-B419A2ED51AD}"/>
+          </ac:spMkLst>
+        </pc:spChg>
+      </pc:sldChg>
       <pc:sldChg chg="del">
         <pc:chgData name="Long B Nguyen" userId="f59fb8f3-a021-417a-8bc1-65c8d471c621" providerId="ADAL" clId="{A752C5CC-819B-C44B-97C4-90D32712BE07}" dt="2021-05-30T16:43:07.956" v="0" actId="2696"/>
         <pc:sldMkLst>
@@ -2653,6 +2667,29 @@
           <pc:docMk/>
           <pc:sldMk cId="2778049646" sldId="281"/>
         </pc:sldMkLst>
+      </pc:sldChg>
+      <pc:sldChg chg="modSp mod">
+        <pc:chgData name="Long B Nguyen" userId="f59fb8f3-a021-417a-8bc1-65c8d471c621" providerId="ADAL" clId="{A752C5CC-819B-C44B-97C4-90D32712BE07}" dt="2021-06-02T23:58:33.238" v="887" actId="20577"/>
+        <pc:sldMkLst>
+          <pc:docMk/>
+          <pc:sldMk cId="1438711869" sldId="284"/>
+        </pc:sldMkLst>
+        <pc:spChg chg="mod">
+          <ac:chgData name="Long B Nguyen" userId="f59fb8f3-a021-417a-8bc1-65c8d471c621" providerId="ADAL" clId="{A752C5CC-819B-C44B-97C4-90D32712BE07}" dt="2021-06-02T23:58:25.180" v="883" actId="1076"/>
+          <ac:spMkLst>
+            <pc:docMk/>
+            <pc:sldMk cId="1438711869" sldId="284"/>
+            <ac:spMk id="2" creationId="{AA3A228F-61D0-D949-A5E7-F83756230BF8}"/>
+          </ac:spMkLst>
+        </pc:spChg>
+        <pc:spChg chg="mod">
+          <ac:chgData name="Long B Nguyen" userId="f59fb8f3-a021-417a-8bc1-65c8d471c621" providerId="ADAL" clId="{A752C5CC-819B-C44B-97C4-90D32712BE07}" dt="2021-06-02T23:58:33.238" v="887" actId="20577"/>
+          <ac:spMkLst>
+            <pc:docMk/>
+            <pc:sldMk cId="1438711869" sldId="284"/>
+            <ac:spMk id="9" creationId="{E3B2E017-30B2-884B-A113-B419A2ED51AD}"/>
+          </ac:spMkLst>
+        </pc:spChg>
       </pc:sldChg>
       <pc:sldChg chg="modSp mod">
         <pc:chgData name="Long B Nguyen" userId="f59fb8f3-a021-417a-8bc1-65c8d471c621" providerId="ADAL" clId="{A752C5CC-819B-C44B-97C4-90D32712BE07}" dt="2021-05-30T16:43:34.032" v="30" actId="14100"/>
@@ -2718,6 +2755,36 @@
           <pc:docMk/>
           <pc:sldMk cId="3618694306" sldId="301"/>
         </pc:sldMkLst>
+      </pc:sldChg>
+      <pc:sldChg chg="del">
+        <pc:chgData name="Long B Nguyen" userId="f59fb8f3-a021-417a-8bc1-65c8d471c621" providerId="ADAL" clId="{A752C5CC-819B-C44B-97C4-90D32712BE07}" dt="2021-06-01T16:36:58.761" v="177" actId="2696"/>
+        <pc:sldMkLst>
+          <pc:docMk/>
+          <pc:sldMk cId="2064379448" sldId="302"/>
+        </pc:sldMkLst>
+      </pc:sldChg>
+      <pc:sldChg chg="modSp mod">
+        <pc:chgData name="Long B Nguyen" userId="f59fb8f3-a021-417a-8bc1-65c8d471c621" providerId="ADAL" clId="{A752C5CC-819B-C44B-97C4-90D32712BE07}" dt="2021-06-01T16:41:35.325" v="477"/>
+        <pc:sldMkLst>
+          <pc:docMk/>
+          <pc:sldMk cId="3993483693" sldId="303"/>
+        </pc:sldMkLst>
+        <pc:spChg chg="mod">
+          <ac:chgData name="Long B Nguyen" userId="f59fb8f3-a021-417a-8bc1-65c8d471c621" providerId="ADAL" clId="{A752C5CC-819B-C44B-97C4-90D32712BE07}" dt="2021-06-01T16:37:12.651" v="182" actId="20577"/>
+          <ac:spMkLst>
+            <pc:docMk/>
+            <pc:sldMk cId="3993483693" sldId="303"/>
+            <ac:spMk id="2" creationId="{AA3A228F-61D0-D949-A5E7-F83756230BF8}"/>
+          </ac:spMkLst>
+        </pc:spChg>
+        <pc:spChg chg="mod">
+          <ac:chgData name="Long B Nguyen" userId="f59fb8f3-a021-417a-8bc1-65c8d471c621" providerId="ADAL" clId="{A752C5CC-819B-C44B-97C4-90D32712BE07}" dt="2021-06-01T16:41:35.325" v="477"/>
+          <ac:spMkLst>
+            <pc:docMk/>
+            <pc:sldMk cId="3993483693" sldId="303"/>
+            <ac:spMk id="9" creationId="{E3B2E017-30B2-884B-A113-B419A2ED51AD}"/>
+          </ac:spMkLst>
+        </pc:spChg>
       </pc:sldChg>
       <pc:sldChg chg="del">
         <pc:chgData name="Long B Nguyen" userId="f59fb8f3-a021-417a-8bc1-65c8d471c621" providerId="ADAL" clId="{A752C5CC-819B-C44B-97C4-90D32712BE07}" dt="2021-05-30T16:43:07.956" v="0" actId="2696"/>
@@ -2769,6 +2836,36 @@
         </pc:sldMkLst>
       </pc:sldChg>
       <pc:sldChg chg="modSp modAnim">
+        <pc:chgData name="Long B Nguyen" userId="f59fb8f3-a021-417a-8bc1-65c8d471c621" providerId="ADAL" clId="{A752C5CC-819B-C44B-97C4-90D32712BE07}" dt="2021-06-03T12:48:20.981" v="994" actId="20577"/>
+        <pc:sldMkLst>
+          <pc:docMk/>
+          <pc:sldMk cId="1445414918" sldId="312"/>
+        </pc:sldMkLst>
+        <pc:spChg chg="mod">
+          <ac:chgData name="Long B Nguyen" userId="f59fb8f3-a021-417a-8bc1-65c8d471c621" providerId="ADAL" clId="{A752C5CC-819B-C44B-97C4-90D32712BE07}" dt="2021-06-03T12:48:20.981" v="994" actId="20577"/>
+          <ac:spMkLst>
+            <pc:docMk/>
+            <pc:sldMk cId="1445414918" sldId="312"/>
+            <ac:spMk id="9" creationId="{E3B2E017-30B2-884B-A113-B419A2ED51AD}"/>
+          </ac:spMkLst>
+        </pc:spChg>
+      </pc:sldChg>
+      <pc:sldChg chg="modSp mod">
+        <pc:chgData name="Long B Nguyen" userId="f59fb8f3-a021-417a-8bc1-65c8d471c621" providerId="ADAL" clId="{A752C5CC-819B-C44B-97C4-90D32712BE07}" dt="2021-06-03T12:49:12.177" v="1051" actId="20577"/>
+        <pc:sldMkLst>
+          <pc:docMk/>
+          <pc:sldMk cId="396545928" sldId="313"/>
+        </pc:sldMkLst>
+        <pc:spChg chg="mod">
+          <ac:chgData name="Long B Nguyen" userId="f59fb8f3-a021-417a-8bc1-65c8d471c621" providerId="ADAL" clId="{A752C5CC-819B-C44B-97C4-90D32712BE07}" dt="2021-06-03T12:49:12.177" v="1051" actId="20577"/>
+          <ac:spMkLst>
+            <pc:docMk/>
+            <pc:sldMk cId="396545928" sldId="313"/>
+            <ac:spMk id="9" creationId="{E3B2E017-30B2-884B-A113-B419A2ED51AD}"/>
+          </ac:spMkLst>
+        </pc:spChg>
+      </pc:sldChg>
+      <pc:sldChg chg="modSp modAnim">
         <pc:chgData name="Long B Nguyen" userId="f59fb8f3-a021-417a-8bc1-65c8d471c621" providerId="ADAL" clId="{A752C5CC-819B-C44B-97C4-90D32712BE07}" dt="2021-05-31T00:26:52.798" v="31" actId="20577"/>
         <pc:sldMkLst>
           <pc:docMk/>
@@ -2780,6 +2877,29 @@
             <pc:docMk/>
             <pc:sldMk cId="1500526858" sldId="435"/>
             <ac:spMk id="6147" creationId="{B9719AA9-1210-AD44-92F4-7B8E508762A1}"/>
+          </ac:spMkLst>
+        </pc:spChg>
+      </pc:sldChg>
+      <pc:sldChg chg="modSp add mod modAnim">
+        <pc:chgData name="Long B Nguyen" userId="f59fb8f3-a021-417a-8bc1-65c8d471c621" providerId="ADAL" clId="{A752C5CC-819B-C44B-97C4-90D32712BE07}" dt="2021-06-02T23:56:14.425" v="875" actId="207"/>
+        <pc:sldMkLst>
+          <pc:docMk/>
+          <pc:sldMk cId="2532139586" sldId="439"/>
+        </pc:sldMkLst>
+        <pc:spChg chg="mod">
+          <ac:chgData name="Long B Nguyen" userId="f59fb8f3-a021-417a-8bc1-65c8d471c621" providerId="ADAL" clId="{A752C5CC-819B-C44B-97C4-90D32712BE07}" dt="2021-06-01T23:22:48.766" v="498" actId="20577"/>
+          <ac:spMkLst>
+            <pc:docMk/>
+            <pc:sldMk cId="2532139586" sldId="439"/>
+            <ac:spMk id="2" creationId="{AA3A228F-61D0-D949-A5E7-F83756230BF8}"/>
+          </ac:spMkLst>
+        </pc:spChg>
+        <pc:spChg chg="mod">
+          <ac:chgData name="Long B Nguyen" userId="f59fb8f3-a021-417a-8bc1-65c8d471c621" providerId="ADAL" clId="{A752C5CC-819B-C44B-97C4-90D32712BE07}" dt="2021-06-02T23:56:14.425" v="875" actId="207"/>
+          <ac:spMkLst>
+            <pc:docMk/>
+            <pc:sldMk cId="2532139586" sldId="439"/>
+            <ac:spMk id="9" creationId="{E3B2E017-30B2-884B-A113-B419A2ED51AD}"/>
           </ac:spMkLst>
         </pc:spChg>
       </pc:sldChg>
@@ -2884,7 +3004,7 @@
           <a:p>
             <a:fld id="{52977C8B-3199-9A4B-9182-F1B54ABD2553}" type="datetimeFigureOut">
               <a:rPr lang="en-US" smtClean="0"/>
-              <a:t>5/30/21</a:t>
+              <a:t>6/3/21</a:t>
             </a:fld>
             <a:endParaRPr lang="en-US"/>
           </a:p>
@@ -3761,7 +3881,7 @@
           <a:p>
             <a:fld id="{4AAD347D-5ACD-4C99-B74B-A9C85AD731AF}" type="datetimeFigureOut">
               <a:rPr lang="en-US" smtClean="0"/>
-              <a:t>5/30/21</a:t>
+              <a:t>6/3/21</a:t>
             </a:fld>
             <a:endParaRPr lang="en-US" dirty="0"/>
           </a:p>
@@ -3931,7 +4051,7 @@
           <a:p>
             <a:fld id="{4509A250-FF31-4206-8172-F9D3106AACB1}" type="datetimeFigureOut">
               <a:rPr lang="en-US" smtClean="0"/>
-              <a:t>5/30/21</a:t>
+              <a:t>6/3/21</a:t>
             </a:fld>
             <a:endParaRPr lang="en-US" dirty="0"/>
           </a:p>
@@ -4111,7 +4231,7 @@
           <a:p>
             <a:fld id="{4509A250-FF31-4206-8172-F9D3106AACB1}" type="datetimeFigureOut">
               <a:rPr lang="en-US" smtClean="0"/>
-              <a:t>5/30/21</a:t>
+              <a:t>6/3/21</a:t>
             </a:fld>
             <a:endParaRPr lang="en-US" dirty="0"/>
           </a:p>
@@ -4281,7 +4401,7 @@
           <a:p>
             <a:fld id="{4509A250-FF31-4206-8172-F9D3106AACB1}" type="datetimeFigureOut">
               <a:rPr lang="en-US" smtClean="0"/>
-              <a:t>5/30/21</a:t>
+              <a:t>6/3/21</a:t>
             </a:fld>
             <a:endParaRPr lang="en-US" dirty="0"/>
           </a:p>
@@ -4527,7 +4647,7 @@
           <a:p>
             <a:fld id="{9796027F-7875-4030-9381-8BD8C4F21935}" type="datetimeFigureOut">
               <a:rPr lang="en-US" smtClean="0"/>
-              <a:t>5/30/21</a:t>
+              <a:t>6/3/21</a:t>
             </a:fld>
             <a:endParaRPr lang="en-US" dirty="0"/>
           </a:p>
@@ -4759,7 +4879,7 @@
           <a:p>
             <a:fld id="{9796027F-7875-4030-9381-8BD8C4F21935}" type="datetimeFigureOut">
               <a:rPr lang="en-US" smtClean="0"/>
-              <a:t>5/30/21</a:t>
+              <a:t>6/3/21</a:t>
             </a:fld>
             <a:endParaRPr lang="en-US" dirty="0"/>
           </a:p>
@@ -5126,7 +5246,7 @@
           <a:p>
             <a:fld id="{9796027F-7875-4030-9381-8BD8C4F21935}" type="datetimeFigureOut">
               <a:rPr lang="en-US" smtClean="0"/>
-              <a:t>5/30/21</a:t>
+              <a:t>6/3/21</a:t>
             </a:fld>
             <a:endParaRPr lang="en-US" dirty="0"/>
           </a:p>
@@ -5244,7 +5364,7 @@
           <a:p>
             <a:fld id="{4509A250-FF31-4206-8172-F9D3106AACB1}" type="datetimeFigureOut">
               <a:rPr lang="en-US" smtClean="0"/>
-              <a:t>5/30/21</a:t>
+              <a:t>6/3/21</a:t>
             </a:fld>
             <a:endParaRPr lang="en-US" dirty="0"/>
           </a:p>
@@ -5339,7 +5459,7 @@
           <a:p>
             <a:fld id="{4509A250-FF31-4206-8172-F9D3106AACB1}" type="datetimeFigureOut">
               <a:rPr lang="en-US" smtClean="0"/>
-              <a:t>5/30/21</a:t>
+              <a:t>6/3/21</a:t>
             </a:fld>
             <a:endParaRPr lang="en-US" dirty="0"/>
           </a:p>
@@ -5616,7 +5736,7 @@
           <a:p>
             <a:fld id="{4509A250-FF31-4206-8172-F9D3106AACB1}" type="datetimeFigureOut">
               <a:rPr lang="en-US" smtClean="0"/>
-              <a:t>5/30/21</a:t>
+              <a:t>6/3/21</a:t>
             </a:fld>
             <a:endParaRPr lang="en-US" dirty="0"/>
           </a:p>
@@ -5873,7 +5993,7 @@
           <a:p>
             <a:fld id="{4509A250-FF31-4206-8172-F9D3106AACB1}" type="datetimeFigureOut">
               <a:rPr lang="en-US" smtClean="0"/>
-              <a:t>5/30/21</a:t>
+              <a:t>6/3/21</a:t>
             </a:fld>
             <a:endParaRPr lang="en-US" dirty="0"/>
           </a:p>
@@ -6086,7 +6206,7 @@
           <a:p>
             <a:fld id="{4AAD347D-5ACD-4C99-B74B-A9C85AD731AF}" type="datetimeFigureOut">
               <a:rPr lang="en-US" smtClean="0"/>
-              <a:t>5/30/21</a:t>
+              <a:t>6/3/21</a:t>
             </a:fld>
             <a:endParaRPr lang="en-US" dirty="0"/>
           </a:p>
@@ -12931,7 +13051,7 @@
         </p:nvSpPr>
         <p:spPr>
           <a:xfrm>
-            <a:off x="150361" y="122782"/>
+            <a:off x="118088" y="90509"/>
             <a:ext cx="7053542" cy="683886"/>
           </a:xfrm>
         </p:spPr>
@@ -12941,7 +13061,7 @@
           <a:p>
             <a:r>
               <a:rPr lang="en-US" dirty="0"/>
-              <a:t>Lab 1</a:t>
+              <a:t>String Concatenation</a:t>
             </a:r>
           </a:p>
         </p:txBody>
@@ -12964,8 +13084,8 @@
         </p:nvSpPr>
         <p:spPr>
           <a:xfrm>
-            <a:off x="225912" y="806668"/>
-            <a:ext cx="8309662" cy="4908331"/>
+            <a:off x="215154" y="774395"/>
+            <a:ext cx="8638390" cy="4765793"/>
           </a:xfrm>
         </p:spPr>
         <p:txBody>
@@ -12979,109 +13099,455 @@
             </a:pPr>
             <a:r>
               <a:rPr lang="en-US" dirty="0"/>
+              <a:t>Two strings can be combined, or </a:t>
+            </a:r>
+            <a:r>
+              <a:rPr lang="en-US" b="1" dirty="0"/>
+              <a:t>concatenated</a:t>
+            </a:r>
+            <a:r>
+              <a:rPr lang="en-US" dirty="0"/>
+              <a:t>, using the + operator: </a:t>
+            </a:r>
+            <a:endParaRPr lang="en-US" sz="2000" dirty="0"/>
+          </a:p>
+          <a:p>
+            <a:pPr marL="0" indent="0">
+              <a:buNone/>
+            </a:pPr>
+            <a:endParaRPr lang="en-US" sz="2000" b="1" dirty="0">
+              <a:latin typeface="INCONSOLATA" panose="020B0609030003000000" pitchFamily="49" charset="77"/>
+            </a:endParaRPr>
+          </a:p>
+          <a:p>
+            <a:pPr marL="0" indent="0">
+              <a:buNone/>
+            </a:pPr>
+            <a:r>
+              <a:rPr lang="en-US" sz="2000" b="1" dirty="0">
+                <a:latin typeface="INCONSOLATA" panose="020B0609030003000000" pitchFamily="49" charset="77"/>
+              </a:rPr>
+              <a:t>string1 </a:t>
+            </a:r>
+            <a:r>
+              <a:rPr lang="en-US" sz="2000" b="1" dirty="0">
+                <a:solidFill>
+                  <a:srgbClr val="CE5B00"/>
+                </a:solidFill>
+                <a:latin typeface="INCONSOLATA" panose="020B0609030003000000" pitchFamily="49" charset="77"/>
+              </a:rPr>
+              <a:t>= </a:t>
+            </a:r>
+            <a:r>
+              <a:rPr lang="en-US" sz="2000" b="1" dirty="0">
+                <a:solidFill>
+                  <a:srgbClr val="4F9602"/>
+                </a:solidFill>
+                <a:latin typeface="INCONSOLATA" panose="020B0609030003000000" pitchFamily="49" charset="77"/>
+              </a:rPr>
+              <a:t>"</a:t>
+            </a:r>
+            <a:r>
+              <a:rPr lang="en-US" sz="2000" b="1" dirty="0" err="1">
+                <a:solidFill>
+                  <a:srgbClr val="4F9602"/>
+                </a:solidFill>
+                <a:latin typeface="INCONSOLATA" panose="020B0609030003000000" pitchFamily="49" charset="77"/>
+              </a:rPr>
+              <a:t>abra</a:t>
+            </a:r>
+            <a:r>
+              <a:rPr lang="en-US" sz="2000" b="1" dirty="0">
+                <a:solidFill>
+                  <a:srgbClr val="4F9602"/>
+                </a:solidFill>
+                <a:latin typeface="INCONSOLATA" panose="020B0609030003000000" pitchFamily="49" charset="77"/>
+              </a:rPr>
+              <a:t>"</a:t>
+            </a:r>
+            <a:br>
+              <a:rPr lang="en-US" sz="2000" b="1" dirty="0">
+                <a:solidFill>
+                  <a:srgbClr val="4F9602"/>
+                </a:solidFill>
+                <a:latin typeface="INCONSOLATA" panose="020B0609030003000000" pitchFamily="49" charset="77"/>
+              </a:rPr>
+            </a:br>
+            <a:r>
+              <a:rPr lang="en-US" sz="2000" b="1" dirty="0">
+                <a:latin typeface="INCONSOLATA" panose="020B0609030003000000" pitchFamily="49" charset="77"/>
+              </a:rPr>
+              <a:t>string2 </a:t>
+            </a:r>
+            <a:r>
+              <a:rPr lang="en-US" sz="2000" b="1" dirty="0">
+                <a:solidFill>
+                  <a:srgbClr val="CE5B00"/>
+                </a:solidFill>
+                <a:latin typeface="INCONSOLATA" panose="020B0609030003000000" pitchFamily="49" charset="77"/>
+              </a:rPr>
+              <a:t>= </a:t>
+            </a:r>
+            <a:r>
+              <a:rPr lang="en-US" sz="2000" b="1" dirty="0">
+                <a:solidFill>
+                  <a:srgbClr val="4F9602"/>
+                </a:solidFill>
+                <a:latin typeface="INCONSOLATA" panose="020B0609030003000000" pitchFamily="49" charset="77"/>
+              </a:rPr>
+              <a:t>"</a:t>
+            </a:r>
+            <a:r>
+              <a:rPr lang="en-US" sz="2000" b="1" dirty="0" err="1">
+                <a:solidFill>
+                  <a:srgbClr val="4F9602"/>
+                </a:solidFill>
+                <a:latin typeface="INCONSOLATA" panose="020B0609030003000000" pitchFamily="49" charset="77"/>
+              </a:rPr>
+              <a:t>cadabra</a:t>
+            </a:r>
+            <a:r>
+              <a:rPr lang="en-US" sz="2000" b="1" dirty="0">
+                <a:solidFill>
+                  <a:srgbClr val="4F9602"/>
+                </a:solidFill>
+                <a:latin typeface="INCONSOLATA" panose="020B0609030003000000" pitchFamily="49" charset="77"/>
+              </a:rPr>
+              <a:t>"</a:t>
+            </a:r>
+            <a:br>
+              <a:rPr lang="en-US" sz="2000" b="1" dirty="0">
+                <a:solidFill>
+                  <a:srgbClr val="4F9602"/>
+                </a:solidFill>
+                <a:latin typeface="INCONSOLATA" panose="020B0609030003000000" pitchFamily="49" charset="77"/>
+              </a:rPr>
+            </a:br>
+            <a:r>
+              <a:rPr lang="en-US" sz="2000" b="1" dirty="0" err="1">
+                <a:latin typeface="INCONSOLATA" panose="020B0609030003000000" pitchFamily="49" charset="77"/>
+              </a:rPr>
+              <a:t>magic_string</a:t>
+            </a:r>
+            <a:r>
+              <a:rPr lang="en-US" sz="2000" b="1" dirty="0">
+                <a:latin typeface="INCONSOLATA" panose="020B0609030003000000" pitchFamily="49" charset="77"/>
+              </a:rPr>
               <a:t> </a:t>
             </a:r>
+            <a:r>
+              <a:rPr lang="en-US" sz="2000" b="1" dirty="0">
+                <a:solidFill>
+                  <a:srgbClr val="CE5B00"/>
+                </a:solidFill>
+                <a:latin typeface="INCONSOLATA" panose="020B0609030003000000" pitchFamily="49" charset="77"/>
+              </a:rPr>
+              <a:t>= </a:t>
+            </a:r>
+            <a:r>
+              <a:rPr lang="en-US" sz="2000" b="1" dirty="0">
+                <a:latin typeface="INCONSOLATA" panose="020B0609030003000000" pitchFamily="49" charset="77"/>
+              </a:rPr>
+              <a:t>string1 </a:t>
+            </a:r>
+            <a:r>
+              <a:rPr lang="en-US" sz="2000" b="1" dirty="0">
+                <a:solidFill>
+                  <a:srgbClr val="CE5B00"/>
+                </a:solidFill>
+                <a:latin typeface="INCONSOLATA" panose="020B0609030003000000" pitchFamily="49" charset="77"/>
+              </a:rPr>
+              <a:t>+ </a:t>
+            </a:r>
+            <a:r>
+              <a:rPr lang="en-US" sz="2000" b="1" dirty="0">
+                <a:latin typeface="INCONSOLATA" panose="020B0609030003000000" pitchFamily="49" charset="77"/>
+              </a:rPr>
+              <a:t>string2 </a:t>
+            </a:r>
           </a:p>
           <a:p>
             <a:pPr marL="0" indent="0">
               <a:buNone/>
             </a:pPr>
-            <a:endParaRPr lang="en-US" dirty="0"/>
+            <a:endParaRPr lang="en-US" sz="2000" b="1" dirty="0">
+              <a:solidFill>
+                <a:srgbClr val="000087"/>
+              </a:solidFill>
+              <a:latin typeface="LuxiMono"/>
+            </a:endParaRPr>
           </a:p>
           <a:p>
             <a:pPr marL="0" indent="0">
               <a:buNone/>
             </a:pPr>
             <a:r>
-              <a:rPr lang="en-US" dirty="0"/>
-              <a:t>Print some strings. Experiment with the “</a:t>
-            </a:r>
-            <a:r>
-              <a:rPr lang="en-US" dirty="0" err="1"/>
-              <a:t>sep</a:t>
-            </a:r>
-            <a:r>
-              <a:rPr lang="en-US" dirty="0"/>
-              <a:t>” and “end” parameters.</a:t>
-            </a:r>
-          </a:p>
-          <a:p>
-            <a:pPr marL="457200" indent="-457200">
-              <a:buAutoNum type="arabicParenR"/>
-            </a:pPr>
-            <a:r>
-              <a:rPr lang="en-US" dirty="0"/>
-              <a:t>Try division vs floor division with integers. Try some which has negative dividends as well as negative divisors. </a:t>
-            </a:r>
-          </a:p>
-          <a:p>
-            <a:pPr marL="457200" indent="-457200">
-              <a:buAutoNum type="arabicParenR"/>
-            </a:pPr>
-            <a:r>
-              <a:rPr lang="en-US" dirty="0"/>
-              <a:t>Initialize some floating point variables in both standard decimal notation and in exponential notation.</a:t>
-            </a:r>
-          </a:p>
-          <a:p>
-            <a:pPr marL="457200" indent="-457200">
-              <a:buAutoNum type="arabicParenR"/>
-            </a:pPr>
-            <a:r>
-              <a:rPr lang="en-US" dirty="0"/>
-              <a:t>Experiment with the type() function. </a:t>
-            </a:r>
-          </a:p>
-          <a:p>
-            <a:pPr marL="457200" indent="-457200">
-              <a:buAutoNum type="arabicParenR"/>
-            </a:pPr>
-            <a:r>
-              <a:rPr lang="en-US" dirty="0"/>
-              <a:t>Try to use int() and float() to cast.</a:t>
-            </a:r>
-          </a:p>
-          <a:p>
-            <a:pPr marL="457200" indent="-457200">
-              <a:buAutoNum type="arabicParenR"/>
-            </a:pPr>
-            <a:r>
-              <a:rPr lang="en-US" dirty="0"/>
-              <a:t>Work with </a:t>
-            </a:r>
-            <a:r>
-              <a:rPr lang="en-US" dirty="0" err="1"/>
-              <a:t>boolean</a:t>
-            </a:r>
-            <a:r>
-              <a:rPr lang="en-US" dirty="0"/>
-              <a:t> expressions.</a:t>
-            </a:r>
-          </a:p>
-          <a:p>
-            <a:pPr marL="457200" indent="-457200">
-              <a:buAutoNum type="arabicParenR"/>
-            </a:pPr>
-            <a:endParaRPr lang="en-US" dirty="0"/>
-          </a:p>
-          <a:p>
-            <a:pPr marL="457200" indent="-457200">
-              <a:buAutoNum type="arabicParenR"/>
-            </a:pPr>
-            <a:endParaRPr lang="en-US" dirty="0"/>
-          </a:p>
-          <a:p>
-            <a:pPr marL="457200" indent="-457200">
-              <a:buAutoNum type="arabicParenR"/>
-            </a:pPr>
-            <a:endParaRPr lang="en-US" dirty="0"/>
+              <a:rPr lang="en-US" sz="2000" b="1" dirty="0">
+                <a:latin typeface="INCONSOLATA" panose="020B0609030003000000" pitchFamily="49" charset="77"/>
+              </a:rPr>
+              <a:t>first </a:t>
+            </a:r>
+            <a:r>
+              <a:rPr lang="en-US" sz="2000" b="1" dirty="0">
+                <a:solidFill>
+                  <a:srgbClr val="CE5B00"/>
+                </a:solidFill>
+                <a:latin typeface="INCONSOLATA" panose="020B0609030003000000" pitchFamily="49" charset="77"/>
+              </a:rPr>
+              <a:t>= </a:t>
+            </a:r>
+            <a:r>
+              <a:rPr lang="en-US" sz="2000" b="1" dirty="0">
+                <a:solidFill>
+                  <a:srgbClr val="4F9602"/>
+                </a:solidFill>
+                <a:latin typeface="INCONSOLATA" panose="020B0609030003000000" pitchFamily="49" charset="77"/>
+              </a:rPr>
+              <a:t>"Michael"</a:t>
+            </a:r>
+            <a:br>
+              <a:rPr lang="en-US" sz="2000" b="1" dirty="0">
+                <a:solidFill>
+                  <a:srgbClr val="4F9602"/>
+                </a:solidFill>
+                <a:latin typeface="INCONSOLATA" panose="020B0609030003000000" pitchFamily="49" charset="77"/>
+              </a:rPr>
+            </a:br>
+            <a:r>
+              <a:rPr lang="en-US" sz="2000" b="1" dirty="0">
+                <a:latin typeface="INCONSOLATA" panose="020B0609030003000000" pitchFamily="49" charset="77"/>
+              </a:rPr>
+              <a:t>last </a:t>
+            </a:r>
+            <a:r>
+              <a:rPr lang="en-US" sz="2000" b="1" dirty="0">
+                <a:solidFill>
+                  <a:srgbClr val="CE5B00"/>
+                </a:solidFill>
+                <a:latin typeface="INCONSOLATA" panose="020B0609030003000000" pitchFamily="49" charset="77"/>
+              </a:rPr>
+              <a:t>= </a:t>
+            </a:r>
+            <a:r>
+              <a:rPr lang="en-US" sz="2000" b="1" dirty="0">
+                <a:solidFill>
+                  <a:srgbClr val="4F9602"/>
+                </a:solidFill>
+                <a:latin typeface="INCONSOLATA" panose="020B0609030003000000" pitchFamily="49" charset="77"/>
+              </a:rPr>
+              <a:t>"Smith"</a:t>
+            </a:r>
+            <a:br>
+              <a:rPr lang="en-US" sz="2000" b="1" dirty="0">
+                <a:solidFill>
+                  <a:srgbClr val="4F9602"/>
+                </a:solidFill>
+                <a:latin typeface="INCONSOLATA" panose="020B0609030003000000" pitchFamily="49" charset="77"/>
+              </a:rPr>
+            </a:br>
+            <a:r>
+              <a:rPr lang="en-US" sz="2000" b="1" dirty="0" err="1">
+                <a:latin typeface="INCONSOLATA" panose="020B0609030003000000" pitchFamily="49" charset="77"/>
+              </a:rPr>
+              <a:t>full_name</a:t>
+            </a:r>
+            <a:r>
+              <a:rPr lang="en-US" sz="2000" b="1" dirty="0">
+                <a:latin typeface="INCONSOLATA" panose="020B0609030003000000" pitchFamily="49" charset="77"/>
+              </a:rPr>
+              <a:t> </a:t>
+            </a:r>
+            <a:r>
+              <a:rPr lang="en-US" sz="2000" b="1" dirty="0">
+                <a:solidFill>
+                  <a:srgbClr val="CE5B00"/>
+                </a:solidFill>
+                <a:latin typeface="INCONSOLATA" panose="020B0609030003000000" pitchFamily="49" charset="77"/>
+              </a:rPr>
+              <a:t>= first</a:t>
+            </a:r>
+            <a:r>
+              <a:rPr lang="en-US" sz="2000" b="1" dirty="0">
+                <a:latin typeface="INCONSOLATA" panose="020B0609030003000000" pitchFamily="49" charset="77"/>
+              </a:rPr>
+              <a:t> </a:t>
+            </a:r>
+            <a:r>
+              <a:rPr lang="en-US" sz="2000" b="1" dirty="0">
+                <a:solidFill>
+                  <a:srgbClr val="CE5B00"/>
+                </a:solidFill>
+                <a:latin typeface="INCONSOLATA" panose="020B0609030003000000" pitchFamily="49" charset="77"/>
+              </a:rPr>
+              <a:t>+ " " + last</a:t>
+            </a:r>
+          </a:p>
+          <a:p>
+            <a:pPr marL="0" indent="0">
+              <a:buNone/>
+            </a:pPr>
+            <a:endParaRPr lang="en-US" sz="2000" b="1" dirty="0">
+              <a:solidFill>
+                <a:srgbClr val="CE5B00"/>
+              </a:solidFill>
+              <a:latin typeface="INCONSOLATA" panose="020B0609030003000000" pitchFamily="49" charset="77"/>
+            </a:endParaRPr>
+          </a:p>
+          <a:p>
+            <a:pPr marL="0" indent="0">
+              <a:buNone/>
+            </a:pPr>
+            <a:r>
+              <a:rPr lang="en-US" sz="2000" dirty="0"/>
+              <a:t>Concatenating a string and a number raises a </a:t>
+            </a:r>
+            <a:r>
+              <a:rPr lang="en-US" sz="2000" dirty="0" err="1"/>
+              <a:t>TypeError</a:t>
+            </a:r>
+            <a:r>
+              <a:rPr lang="en-US" sz="2000" dirty="0"/>
+              <a:t>. Must first cast the number into a string using str(). </a:t>
+            </a:r>
+            <a:endParaRPr lang="en-US" sz="2000" b="1" dirty="0">
+              <a:solidFill>
+                <a:srgbClr val="CE5B00"/>
+              </a:solidFill>
+              <a:latin typeface="INCONSOLATA" panose="020B0609030003000000" pitchFamily="49" charset="77"/>
+            </a:endParaRPr>
+          </a:p>
+          <a:p>
+            <a:pPr marL="0" lvl="0" indent="0">
+              <a:buNone/>
+            </a:pPr>
+            <a:r>
+              <a:rPr lang="en-US" sz="2000" b="1" dirty="0">
+                <a:latin typeface="INCONSOLATA" panose="020B0609030003000000" pitchFamily="49" charset="77"/>
+              </a:rPr>
+              <a:t>apples </a:t>
+            </a:r>
+            <a:r>
+              <a:rPr lang="en-US" sz="2000" b="1" dirty="0">
+                <a:solidFill>
+                  <a:srgbClr val="CE5B00"/>
+                </a:solidFill>
+                <a:latin typeface="INCONSOLATA" panose="020B0609030003000000" pitchFamily="49" charset="77"/>
+              </a:rPr>
+              <a:t>= </a:t>
+            </a:r>
+            <a:r>
+              <a:rPr lang="en-US" sz="2000" b="1" dirty="0">
+                <a:solidFill>
+                  <a:srgbClr val="4F9602"/>
+                </a:solidFill>
+                <a:latin typeface="INCONSOLATA" panose="020B0609030003000000" pitchFamily="49" charset="77"/>
+              </a:rPr>
+              <a:t>"I have " + 3 + "apples"	</a:t>
+            </a:r>
+            <a:r>
+              <a:rPr lang="en-US" sz="2000" b="1" dirty="0">
+                <a:solidFill>
+                  <a:srgbClr val="0070C0"/>
+                </a:solidFill>
+                <a:latin typeface="INCONSOLATA" panose="020B0609030003000000" pitchFamily="49" charset="77"/>
+              </a:rPr>
+              <a:t># error! </a:t>
+            </a:r>
+            <a:br>
+              <a:rPr lang="en-US" sz="2000" b="1" dirty="0">
+                <a:solidFill>
+                  <a:srgbClr val="4F9602"/>
+                </a:solidFill>
+                <a:latin typeface="INCONSOLATA" panose="020B0609030003000000" pitchFamily="49" charset="77"/>
+              </a:rPr>
+            </a:br>
+            <a:r>
+              <a:rPr lang="en-US" sz="2000" b="1" dirty="0">
+                <a:solidFill>
+                  <a:prstClr val="black"/>
+                </a:solidFill>
+                <a:latin typeface="INCONSOLATA" panose="020B0609030003000000" pitchFamily="49" charset="77"/>
+              </a:rPr>
+              <a:t>apples </a:t>
+            </a:r>
+            <a:r>
+              <a:rPr lang="en-US" sz="2000" b="1" dirty="0">
+                <a:solidFill>
+                  <a:srgbClr val="CE5B00"/>
+                </a:solidFill>
+                <a:latin typeface="INCONSOLATA" panose="020B0609030003000000" pitchFamily="49" charset="77"/>
+              </a:rPr>
+              <a:t>= </a:t>
+            </a:r>
+            <a:r>
+              <a:rPr lang="en-US" sz="2000" b="1" dirty="0">
+                <a:solidFill>
+                  <a:srgbClr val="4F9602"/>
+                </a:solidFill>
+                <a:latin typeface="INCONSOLATA" panose="020B0609030003000000" pitchFamily="49" charset="77"/>
+              </a:rPr>
+              <a:t>"I have " + str(3) + "apples"	</a:t>
+            </a:r>
+            <a:r>
+              <a:rPr lang="en-US" sz="2000" b="1" dirty="0">
+                <a:solidFill>
+                  <a:srgbClr val="0070C0"/>
+                </a:solidFill>
+                <a:latin typeface="INCONSOLATA" panose="020B0609030003000000" pitchFamily="49" charset="77"/>
+              </a:rPr>
+              <a:t># correct!</a:t>
+            </a:r>
+          </a:p>
+          <a:p>
+            <a:pPr marL="0" lvl="0" indent="0">
+              <a:buNone/>
+            </a:pPr>
+            <a:r>
+              <a:rPr lang="en-US" sz="2000" b="1" dirty="0">
+                <a:solidFill>
+                  <a:srgbClr val="4F9602"/>
+                </a:solidFill>
+                <a:latin typeface="INCONSOLATA" panose="020B0609030003000000" pitchFamily="49" charset="77"/>
+              </a:rPr>
+              <a:t> </a:t>
+            </a:r>
+            <a:br>
+              <a:rPr lang="en-US" sz="2000" b="1" dirty="0">
+                <a:solidFill>
+                  <a:srgbClr val="4F9602"/>
+                </a:solidFill>
+                <a:latin typeface="INCONSOLATA" panose="020B0609030003000000" pitchFamily="49" charset="77"/>
+              </a:rPr>
+            </a:br>
+            <a:endParaRPr lang="en-US" sz="1900" b="1" dirty="0">
+              <a:solidFill>
+                <a:prstClr val="black"/>
+              </a:solidFill>
+              <a:latin typeface="Inconsolata" panose="020B0609030003000000" pitchFamily="49" charset="77"/>
+            </a:endParaRPr>
+          </a:p>
+          <a:p>
+            <a:pPr marL="0" indent="0">
+              <a:buNone/>
+            </a:pPr>
+            <a:endParaRPr lang="en-US" sz="1900" b="1" dirty="0">
+              <a:latin typeface="Inconsolata" panose="020B0609030003000000" pitchFamily="49" charset="77"/>
+            </a:endParaRPr>
+          </a:p>
+          <a:p>
+            <a:pPr marL="0" indent="0">
+              <a:buNone/>
+            </a:pPr>
+            <a:endParaRPr lang="en-US" sz="1900" b="1" dirty="0">
+              <a:latin typeface="Inconsolata" panose="020B0609030003000000" pitchFamily="49" charset="77"/>
+            </a:endParaRPr>
           </a:p>
         </p:txBody>
       </p:sp>
     </p:spTree>
     <p:extLst>
       <p:ext uri="{BB962C8B-B14F-4D97-AF65-F5344CB8AC3E}">
-        <p14:creationId xmlns:p14="http://schemas.microsoft.com/office/powerpoint/2010/main" val="2064379448"/>
+        <p14:creationId xmlns:p14="http://schemas.microsoft.com/office/powerpoint/2010/main" val="2532139586"/>
       </p:ext>
     </p:extLst>
   </p:cSld>
@@ -13126,7 +13592,7 @@
         </p:nvSpPr>
         <p:spPr>
           <a:xfrm>
-            <a:off x="483848" y="467027"/>
+            <a:off x="124252" y="117706"/>
             <a:ext cx="7053542" cy="683886"/>
           </a:xfrm>
         </p:spPr>
@@ -13136,7 +13602,7 @@
           <a:p>
             <a:r>
               <a:rPr lang="en-US" dirty="0"/>
-              <a:t>Lab 2</a:t>
+              <a:t>Lab 1</a:t>
             </a:r>
           </a:p>
         </p:txBody>
@@ -13159,8 +13625,8 @@
         </p:nvSpPr>
         <p:spPr>
           <a:xfrm>
-            <a:off x="483848" y="1150912"/>
-            <a:ext cx="8051725" cy="4564087"/>
+            <a:off x="124252" y="801592"/>
+            <a:ext cx="8411321" cy="4913407"/>
           </a:xfrm>
         </p:spPr>
         <p:txBody>
@@ -13196,7 +13662,7 @@
             </a:r>
             <a:r>
               <a:rPr lang="en-US" dirty="0"/>
-              <a:t>.</a:t>
+              <a:t>. Write code to match the following console output:</a:t>
             </a:r>
           </a:p>
           <a:p>
@@ -13211,15 +13677,16 @@
             </a:pPr>
             <a:r>
               <a:rPr lang="en-US" dirty="0"/>
-              <a:t>Repeat some of the things you did from Lab 1 in the script </a:t>
-            </a:r>
-            <a:r>
-              <a:rPr lang="en-US" dirty="0" err="1"/>
-              <a:t>main.py</a:t>
-            </a:r>
+              <a:t>Enter a three-digit number: 245</a:t>
+            </a:r>
+          </a:p>
+          <a:p>
+            <a:pPr marL="0" indent="0">
+              <a:buNone/>
+            </a:pPr>
             <a:r>
               <a:rPr lang="en-US" dirty="0"/>
-              <a:t>.</a:t>
+              <a:t>The sum of the digits of 245 is 11.</a:t>
             </a:r>
           </a:p>
           <a:p>
@@ -13234,26 +13701,48 @@
             </a:pPr>
             <a:r>
               <a:rPr lang="en-US" dirty="0"/>
-              <a:t>The </a:t>
-            </a:r>
-            <a:r>
-              <a:rPr lang="en-US" dirty="0" err="1"/>
-              <a:t>IPython</a:t>
-            </a:r>
+              <a:t>Enter amount in cents: 137</a:t>
+            </a:r>
+          </a:p>
+          <a:p>
+            <a:pPr marL="0" indent="0">
+              <a:buNone/>
+            </a:pPr>
             <a:r>
               <a:rPr lang="en-US" dirty="0"/>
-              <a:t> interpreter runs your code and display the outputs. In your script, you won’t have this feature. Instead, use the print() function to print out the values of your variables. </a:t>
+              <a:t>Number of quarters: 5 </a:t>
             </a:r>
           </a:p>
           <a:p>
             <a:pPr marL="0" indent="0">
               <a:buNone/>
             </a:pPr>
-            <a:endParaRPr lang="en-US" dirty="0"/>
-          </a:p>
-          <a:p>
-            <a:pPr marL="457200" indent="-457200">
-              <a:buAutoNum type="arabicParenR"/>
+            <a:r>
+              <a:rPr lang="en-US" dirty="0"/>
+              <a:t>Number of dimes: 1</a:t>
+            </a:r>
+          </a:p>
+          <a:p>
+            <a:pPr marL="0" indent="0">
+              <a:buNone/>
+            </a:pPr>
+            <a:r>
+              <a:rPr lang="en-US" dirty="0"/>
+              <a:t>Number of nickels: 0 </a:t>
+            </a:r>
+          </a:p>
+          <a:p>
+            <a:pPr marL="0" indent="0">
+              <a:buNone/>
+            </a:pPr>
+            <a:r>
+              <a:rPr lang="en-US" dirty="0"/>
+              <a:t>Number of pennies: 2</a:t>
+            </a:r>
+          </a:p>
+          <a:p>
+            <a:pPr marL="0" indent="0">
+              <a:buNone/>
             </a:pPr>
             <a:endParaRPr lang="en-US" dirty="0"/>
           </a:p>
@@ -13363,7 +13852,7 @@
               <a:rPr lang="en-US" dirty="0">
                 <a:latin typeface="Gill Sans MT" panose="020B0502020104020203" pitchFamily="34" charset="77"/>
               </a:rPr>
-              <a:t>Python interpreters</a:t>
+              <a:t>Arithmetic Operations</a:t>
             </a:r>
           </a:p>
           <a:p>
@@ -13374,92 +13863,61 @@
               <a:rPr lang="en-US" dirty="0">
                 <a:latin typeface="Gill Sans MT" panose="020B0502020104020203" pitchFamily="34" charset="77"/>
               </a:rPr>
-              <a:t>Python Scripts</a:t>
+              <a:t>Floor Division vs True Division</a:t>
+            </a:r>
+          </a:p>
+          <a:p>
+            <a:pPr marL="457200" indent="-457200">
+              <a:buFont typeface="Arial" panose="020B0604020202020204" pitchFamily="34" charset="0"/>
+              <a:buAutoNum type="arabicParenR"/>
+            </a:pPr>
+            <a:r>
+              <a:rPr lang="en-US" dirty="0">
+                <a:latin typeface="Gill Sans MT" panose="020B0502020104020203" pitchFamily="34" charset="77"/>
+              </a:rPr>
+              <a:t>Modulo Operator</a:t>
+            </a:r>
+          </a:p>
+          <a:p>
+            <a:pPr marL="457200" indent="-457200">
+              <a:buFont typeface="Arial" panose="020B0604020202020204" pitchFamily="34" charset="0"/>
+              <a:buAutoNum type="arabicParenR"/>
+            </a:pPr>
+            <a:r>
+              <a:rPr lang="en-US" dirty="0">
+                <a:latin typeface="Gill Sans MT" panose="020B0502020104020203" pitchFamily="34" charset="77"/>
+              </a:rPr>
+              <a:t>Operator Precedence</a:t>
+            </a:r>
+          </a:p>
+          <a:p>
+            <a:pPr marL="457200" indent="-457200">
+              <a:buFont typeface="Arial" panose="020B0604020202020204" pitchFamily="34" charset="0"/>
+              <a:buAutoNum type="arabicParenR"/>
+            </a:pPr>
+            <a:r>
+              <a:rPr lang="en-US" dirty="0">
+                <a:latin typeface="Gill Sans MT" panose="020B0502020104020203" pitchFamily="34" charset="77"/>
+              </a:rPr>
+              <a:t>String Concatenation</a:t>
+            </a:r>
+          </a:p>
+          <a:p>
+            <a:pPr marL="457200" indent="-457200">
+              <a:buFont typeface="Arial" panose="020B0604020202020204" pitchFamily="34" charset="0"/>
+              <a:buAutoNum type="arabicParenR"/>
+            </a:pPr>
+            <a:r>
+              <a:rPr lang="en-US" dirty="0">
+                <a:latin typeface="Gill Sans MT" panose="020B0502020104020203" pitchFamily="34" charset="77"/>
+              </a:rPr>
+              <a:t>Augmented Assignment</a:t>
             </a:r>
           </a:p>
           <a:p>
             <a:pPr marL="457200" indent="-457200">
               <a:buAutoNum type="arabicParenR"/>
             </a:pPr>
-            <a:r>
-              <a:rPr lang="en-US" dirty="0" err="1">
-                <a:latin typeface="Gill Sans MT" panose="020B0502020104020203" pitchFamily="34" charset="77"/>
-              </a:rPr>
-              <a:t>repl.it</a:t>
-            </a:r>
-            <a:endParaRPr lang="en-US" dirty="0">
-              <a:latin typeface="Gill Sans MT" panose="020B0502020104020203" pitchFamily="34" charset="77"/>
-            </a:endParaRPr>
-          </a:p>
-          <a:p>
-            <a:pPr marL="457200" indent="-457200">
-              <a:buAutoNum type="arabicParenR"/>
-            </a:pPr>
-            <a:r>
-              <a:rPr lang="en-US" dirty="0">
-                <a:latin typeface="Gill Sans MT" panose="020B0502020104020203" pitchFamily="34" charset="77"/>
-              </a:rPr>
-              <a:t>Printing with print()</a:t>
-            </a:r>
-          </a:p>
-          <a:p>
-            <a:pPr marL="457200" indent="-457200">
-              <a:buAutoNum type="arabicParenR"/>
-            </a:pPr>
-            <a:r>
-              <a:rPr lang="en-US" dirty="0">
-                <a:latin typeface="Gill Sans MT" panose="020B0502020104020203" pitchFamily="34" charset="77"/>
-              </a:rPr>
-              <a:t>Basic Built-In Number Types</a:t>
-            </a:r>
-          </a:p>
-          <a:p>
-            <a:pPr marL="800100" lvl="1" indent="-457200">
-              <a:buFont typeface="+mj-lt"/>
-              <a:buAutoNum type="alphaLcParenR"/>
-            </a:pPr>
-            <a:r>
-              <a:rPr lang="en-US" dirty="0">
-                <a:latin typeface="Gill Sans MT" panose="020B0502020104020203" pitchFamily="34" charset="77"/>
-              </a:rPr>
-              <a:t>Integers (division vs. floor division) </a:t>
-            </a:r>
-          </a:p>
-          <a:p>
-            <a:pPr marL="800100" lvl="1" indent="-457200">
-              <a:buFont typeface="+mj-lt"/>
-              <a:buAutoNum type="alphaLcParenR"/>
-            </a:pPr>
-            <a:r>
-              <a:rPr lang="en-US" dirty="0">
-                <a:latin typeface="Gill Sans MT" panose="020B0502020104020203" pitchFamily="34" charset="77"/>
-              </a:rPr>
-              <a:t>Floats</a:t>
-            </a:r>
-          </a:p>
-          <a:p>
-            <a:pPr marL="800100" lvl="1" indent="-457200">
-              <a:buFont typeface="+mj-lt"/>
-              <a:buAutoNum type="alphaLcParenR"/>
-            </a:pPr>
-            <a:r>
-              <a:rPr lang="en-US" dirty="0">
-                <a:latin typeface="Gill Sans MT" panose="020B0502020104020203" pitchFamily="34" charset="77"/>
-              </a:rPr>
-              <a:t>Booleans</a:t>
-            </a:r>
-          </a:p>
-          <a:p>
-            <a:pPr marL="800100" lvl="1" indent="-457200">
-              <a:buFont typeface="+mj-lt"/>
-              <a:buAutoNum type="alphaLcParenR"/>
-            </a:pPr>
-            <a:r>
-              <a:rPr lang="en-US" dirty="0" err="1">
-                <a:latin typeface="Gill Sans MT" panose="020B0502020104020203" pitchFamily="34" charset="77"/>
-              </a:rPr>
-              <a:t>NoneType</a:t>
-            </a:r>
             <a:endParaRPr lang="en-US" dirty="0">
               <a:latin typeface="Gill Sans MT" panose="020B0502020104020203" pitchFamily="34" charset="77"/>
             </a:endParaRPr>
@@ -13528,6 +13986,1369 @@
     <p:extLst>
       <p:ext uri="{BB962C8B-B14F-4D97-AF65-F5344CB8AC3E}">
         <p14:creationId xmlns:p14="http://schemas.microsoft.com/office/powerpoint/2010/main" val="2207246265"/>
+      </p:ext>
+    </p:extLst>
+  </p:cSld>
+  <p:clrMapOvr>
+    <a:masterClrMapping/>
+  </p:clrMapOvr>
+  <p:timing>
+    <p:tnLst>
+      <p:par>
+        <p:cTn id="1" dur="indefinite" restart="never" nodeType="tmRoot">
+          <p:childTnLst>
+            <p:seq concurrent="1" nextAc="seek">
+              <p:cTn id="2" dur="indefinite" nodeType="mainSeq">
+                <p:childTnLst>
+                  <p:par>
+                    <p:cTn id="3" fill="hold">
+                      <p:stCondLst>
+                        <p:cond delay="indefinite"/>
+                      </p:stCondLst>
+                      <p:childTnLst>
+                        <p:par>
+                          <p:cTn id="4" fill="hold">
+                            <p:stCondLst>
+                              <p:cond delay="0"/>
+                            </p:stCondLst>
+                            <p:childTnLst>
+                              <p:par>
+                                <p:cTn id="5" presetID="1" presetClass="entr" presetSubtype="0" fill="hold" nodeType="clickEffect">
+                                  <p:stCondLst>
+                                    <p:cond delay="0"/>
+                                  </p:stCondLst>
+                                  <p:childTnLst>
+                                    <p:set>
+                                      <p:cBhvr>
+                                        <p:cTn id="6" dur="1" fill="hold">
+                                          <p:stCondLst>
+                                            <p:cond delay="0"/>
+                                          </p:stCondLst>
+                                        </p:cTn>
+                                        <p:tgtEl>
+                                          <p:spTgt spid="9">
+                                            <p:txEl>
+                                              <p:pRg st="1" end="1"/>
+                                            </p:txEl>
+                                          </p:spTgt>
+                                        </p:tgtEl>
+                                        <p:attrNameLst>
+                                          <p:attrName>style.visibility</p:attrName>
+                                        </p:attrNameLst>
+                                      </p:cBhvr>
+                                      <p:to>
+                                        <p:strVal val="visible"/>
+                                      </p:to>
+                                    </p:set>
+                                  </p:childTnLst>
+                                </p:cTn>
+                              </p:par>
+                            </p:childTnLst>
+                          </p:cTn>
+                        </p:par>
+                      </p:childTnLst>
+                    </p:cTn>
+                  </p:par>
+                  <p:par>
+                    <p:cTn id="7" fill="hold">
+                      <p:stCondLst>
+                        <p:cond delay="indefinite"/>
+                      </p:stCondLst>
+                      <p:childTnLst>
+                        <p:par>
+                          <p:cTn id="8" fill="hold">
+                            <p:stCondLst>
+                              <p:cond delay="0"/>
+                            </p:stCondLst>
+                            <p:childTnLst>
+                              <p:par>
+                                <p:cTn id="9" presetID="1" presetClass="entr" presetSubtype="0" fill="hold" nodeType="clickEffect">
+                                  <p:stCondLst>
+                                    <p:cond delay="0"/>
+                                  </p:stCondLst>
+                                  <p:childTnLst>
+                                    <p:set>
+                                      <p:cBhvr>
+                                        <p:cTn id="10" dur="1" fill="hold">
+                                          <p:stCondLst>
+                                            <p:cond delay="0"/>
+                                          </p:stCondLst>
+                                        </p:cTn>
+                                        <p:tgtEl>
+                                          <p:spTgt spid="9">
+                                            <p:txEl>
+                                              <p:pRg st="2" end="2"/>
+                                            </p:txEl>
+                                          </p:spTgt>
+                                        </p:tgtEl>
+                                        <p:attrNameLst>
+                                          <p:attrName>style.visibility</p:attrName>
+                                        </p:attrNameLst>
+                                      </p:cBhvr>
+                                      <p:to>
+                                        <p:strVal val="visible"/>
+                                      </p:to>
+                                    </p:set>
+                                  </p:childTnLst>
+                                </p:cTn>
+                              </p:par>
+                            </p:childTnLst>
+                          </p:cTn>
+                        </p:par>
+                      </p:childTnLst>
+                    </p:cTn>
+                  </p:par>
+                  <p:par>
+                    <p:cTn id="11" fill="hold">
+                      <p:stCondLst>
+                        <p:cond delay="indefinite"/>
+                      </p:stCondLst>
+                      <p:childTnLst>
+                        <p:par>
+                          <p:cTn id="12" fill="hold">
+                            <p:stCondLst>
+                              <p:cond delay="0"/>
+                            </p:stCondLst>
+                            <p:childTnLst>
+                              <p:par>
+                                <p:cTn id="13" presetID="1" presetClass="entr" presetSubtype="0" fill="hold" nodeType="clickEffect">
+                                  <p:stCondLst>
+                                    <p:cond delay="0"/>
+                                  </p:stCondLst>
+                                  <p:childTnLst>
+                                    <p:set>
+                                      <p:cBhvr>
+                                        <p:cTn id="14" dur="1" fill="hold">
+                                          <p:stCondLst>
+                                            <p:cond delay="0"/>
+                                          </p:stCondLst>
+                                        </p:cTn>
+                                        <p:tgtEl>
+                                          <p:spTgt spid="9">
+                                            <p:txEl>
+                                              <p:pRg st="3" end="3"/>
+                                            </p:txEl>
+                                          </p:spTgt>
+                                        </p:tgtEl>
+                                        <p:attrNameLst>
+                                          <p:attrName>style.visibility</p:attrName>
+                                        </p:attrNameLst>
+                                      </p:cBhvr>
+                                      <p:to>
+                                        <p:strVal val="visible"/>
+                                      </p:to>
+                                    </p:set>
+                                  </p:childTnLst>
+                                </p:cTn>
+                              </p:par>
+                            </p:childTnLst>
+                          </p:cTn>
+                        </p:par>
+                      </p:childTnLst>
+                    </p:cTn>
+                  </p:par>
+                  <p:par>
+                    <p:cTn id="15" fill="hold">
+                      <p:stCondLst>
+                        <p:cond delay="indefinite"/>
+                      </p:stCondLst>
+                      <p:childTnLst>
+                        <p:par>
+                          <p:cTn id="16" fill="hold">
+                            <p:stCondLst>
+                              <p:cond delay="0"/>
+                            </p:stCondLst>
+                            <p:childTnLst>
+                              <p:par>
+                                <p:cTn id="17" presetID="1" presetClass="entr" presetSubtype="0" fill="hold" nodeType="clickEffect">
+                                  <p:stCondLst>
+                                    <p:cond delay="0"/>
+                                  </p:stCondLst>
+                                  <p:childTnLst>
+                                    <p:set>
+                                      <p:cBhvr>
+                                        <p:cTn id="18" dur="1" fill="hold">
+                                          <p:stCondLst>
+                                            <p:cond delay="0"/>
+                                          </p:stCondLst>
+                                        </p:cTn>
+                                        <p:tgtEl>
+                                          <p:spTgt spid="9">
+                                            <p:txEl>
+                                              <p:pRg st="4" end="4"/>
+                                            </p:txEl>
+                                          </p:spTgt>
+                                        </p:tgtEl>
+                                        <p:attrNameLst>
+                                          <p:attrName>style.visibility</p:attrName>
+                                        </p:attrNameLst>
+                                      </p:cBhvr>
+                                      <p:to>
+                                        <p:strVal val="visible"/>
+                                      </p:to>
+                                    </p:set>
+                                  </p:childTnLst>
+                                </p:cTn>
+                              </p:par>
+                            </p:childTnLst>
+                          </p:cTn>
+                        </p:par>
+                      </p:childTnLst>
+                    </p:cTn>
+                  </p:par>
+                  <p:par>
+                    <p:cTn id="19" fill="hold">
+                      <p:stCondLst>
+                        <p:cond delay="indefinite"/>
+                      </p:stCondLst>
+                      <p:childTnLst>
+                        <p:par>
+                          <p:cTn id="20" fill="hold">
+                            <p:stCondLst>
+                              <p:cond delay="0"/>
+                            </p:stCondLst>
+                            <p:childTnLst>
+                              <p:par>
+                                <p:cTn id="21" presetID="1" presetClass="entr" presetSubtype="0" fill="hold" nodeType="clickEffect">
+                                  <p:stCondLst>
+                                    <p:cond delay="0"/>
+                                  </p:stCondLst>
+                                  <p:childTnLst>
+                                    <p:set>
+                                      <p:cBhvr>
+                                        <p:cTn id="22" dur="1" fill="hold">
+                                          <p:stCondLst>
+                                            <p:cond delay="0"/>
+                                          </p:stCondLst>
+                                        </p:cTn>
+                                        <p:tgtEl>
+                                          <p:spTgt spid="9">
+                                            <p:txEl>
+                                              <p:pRg st="5" end="5"/>
+                                            </p:txEl>
+                                          </p:spTgt>
+                                        </p:tgtEl>
+                                        <p:attrNameLst>
+                                          <p:attrName>style.visibility</p:attrName>
+                                        </p:attrNameLst>
+                                      </p:cBhvr>
+                                      <p:to>
+                                        <p:strVal val="visible"/>
+                                      </p:to>
+                                    </p:set>
+                                  </p:childTnLst>
+                                </p:cTn>
+                              </p:par>
+                            </p:childTnLst>
+                          </p:cTn>
+                        </p:par>
+                      </p:childTnLst>
+                    </p:cTn>
+                  </p:par>
+                  <p:par>
+                    <p:cTn id="23" fill="hold">
+                      <p:stCondLst>
+                        <p:cond delay="indefinite"/>
+                      </p:stCondLst>
+                      <p:childTnLst>
+                        <p:par>
+                          <p:cTn id="24" fill="hold">
+                            <p:stCondLst>
+                              <p:cond delay="0"/>
+                            </p:stCondLst>
+                            <p:childTnLst>
+                              <p:par>
+                                <p:cTn id="25" presetID="1" presetClass="entr" presetSubtype="0" fill="hold" nodeType="clickEffect">
+                                  <p:stCondLst>
+                                    <p:cond delay="0"/>
+                                  </p:stCondLst>
+                                  <p:childTnLst>
+                                    <p:set>
+                                      <p:cBhvr>
+                                        <p:cTn id="26" dur="1" fill="hold">
+                                          <p:stCondLst>
+                                            <p:cond delay="0"/>
+                                          </p:stCondLst>
+                                        </p:cTn>
+                                        <p:tgtEl>
+                                          <p:spTgt spid="9">
+                                            <p:txEl>
+                                              <p:pRg st="6" end="6"/>
+                                            </p:txEl>
+                                          </p:spTgt>
+                                        </p:tgtEl>
+                                        <p:attrNameLst>
+                                          <p:attrName>style.visibility</p:attrName>
+                                        </p:attrNameLst>
+                                      </p:cBhvr>
+                                      <p:to>
+                                        <p:strVal val="visible"/>
+                                      </p:to>
+                                    </p:set>
+                                  </p:childTnLst>
+                                </p:cTn>
+                              </p:par>
+                            </p:childTnLst>
+                          </p:cTn>
+                        </p:par>
+                      </p:childTnLst>
+                    </p:cTn>
+                  </p:par>
+                </p:childTnLst>
+              </p:cTn>
+              <p:prevCondLst>
+                <p:cond evt="onPrev" delay="0">
+                  <p:tgtEl>
+                    <p:sldTgt/>
+                  </p:tgtEl>
+                </p:cond>
+              </p:prevCondLst>
+              <p:nextCondLst>
+                <p:cond evt="onNext" delay="0">
+                  <p:tgtEl>
+                    <p:sldTgt/>
+                  </p:tgtEl>
+                </p:cond>
+              </p:nextCondLst>
+            </p:seq>
+          </p:childTnLst>
+        </p:cTn>
+      </p:par>
+    </p:tnLst>
+  </p:timing>
+</p:sld>
+</file>
+
+<file path=ppt/slides/slide20.xml><?xml version="1.0" encoding="utf-8"?>
+<p:sld xmlns:a="http://schemas.openxmlformats.org/drawingml/2006/main" xmlns:r="http://schemas.openxmlformats.org/officeDocument/2006/relationships" xmlns:p="http://schemas.openxmlformats.org/presentationml/2006/main">
+  <p:cSld>
+    <p:spTree>
+      <p:nvGrpSpPr>
+        <p:cNvPr id="1" name=""/>
+        <p:cNvGrpSpPr/>
+        <p:nvPr/>
+      </p:nvGrpSpPr>
+      <p:grpSpPr>
+        <a:xfrm>
+          <a:off x="0" y="0"/>
+          <a:ext cx="0" cy="0"/>
+          <a:chOff x="0" y="0"/>
+          <a:chExt cx="0" cy="0"/>
+        </a:xfrm>
+      </p:grpSpPr>
+      <p:sp>
+        <p:nvSpPr>
+          <p:cNvPr id="2" name="Title 1">
+            <a:extLst>
+              <a:ext uri="{FF2B5EF4-FFF2-40B4-BE49-F238E27FC236}">
+                <a16:creationId xmlns:a16="http://schemas.microsoft.com/office/drawing/2014/main" id="{AA3A228F-61D0-D949-A5E7-F83756230BF8}"/>
+              </a:ext>
+            </a:extLst>
+          </p:cNvPr>
+          <p:cNvSpPr>
+            <a:spLocks noGrp="1"/>
+          </p:cNvSpPr>
+          <p:nvPr>
+            <p:ph type="title"/>
+          </p:nvPr>
+        </p:nvSpPr>
+        <p:spPr>
+          <a:xfrm>
+            <a:off x="196171" y="123497"/>
+            <a:ext cx="7053542" cy="683886"/>
+          </a:xfrm>
+        </p:spPr>
+        <p:txBody>
+          <a:bodyPr/>
+          <a:lstStyle/>
+          <a:p>
+            <a:r>
+              <a:rPr lang="en-US" dirty="0"/>
+              <a:t>References</a:t>
+            </a:r>
+          </a:p>
+        </p:txBody>
+      </p:sp>
+      <p:sp>
+        <p:nvSpPr>
+          <p:cNvPr id="9" name="Content Placeholder 8">
+            <a:extLst>
+              <a:ext uri="{FF2B5EF4-FFF2-40B4-BE49-F238E27FC236}">
+                <a16:creationId xmlns:a16="http://schemas.microsoft.com/office/drawing/2014/main" id="{E3B2E017-30B2-884B-A113-B419A2ED51AD}"/>
+              </a:ext>
+            </a:extLst>
+          </p:cNvPr>
+          <p:cNvSpPr>
+            <a:spLocks noGrp="1"/>
+          </p:cNvSpPr>
+          <p:nvPr>
+            <p:ph idx="1"/>
+          </p:nvPr>
+        </p:nvSpPr>
+        <p:spPr>
+          <a:xfrm>
+            <a:off x="196171" y="729465"/>
+            <a:ext cx="8751657" cy="4561726"/>
+          </a:xfrm>
+        </p:spPr>
+        <p:txBody>
+          <a:bodyPr>
+            <a:noAutofit/>
+          </a:bodyPr>
+          <a:lstStyle/>
+          <a:p>
+            <a:pPr marL="0" indent="0">
+              <a:buNone/>
+            </a:pPr>
+            <a:endParaRPr lang="en-US" dirty="0"/>
+          </a:p>
+          <a:p>
+            <a:pPr marL="0" indent="0">
+              <a:buNone/>
+            </a:pPr>
+            <a:endParaRPr lang="en-US" dirty="0"/>
+          </a:p>
+          <a:p>
+            <a:pPr marL="0" indent="0">
+              <a:buNone/>
+            </a:pPr>
+            <a:endParaRPr lang="en-US" dirty="0"/>
+          </a:p>
+          <a:p>
+            <a:pPr marL="457200" indent="-457200">
+              <a:buAutoNum type="arabicParenR"/>
+            </a:pPr>
+            <a:r>
+              <a:rPr lang="en-US" dirty="0" err="1"/>
+              <a:t>Vanderplas</a:t>
+            </a:r>
+            <a:r>
+              <a:rPr lang="en-US" dirty="0"/>
+              <a:t>, Jake, A Whirlwind Tour of Python</a:t>
+            </a:r>
+            <a:r>
+              <a:rPr lang="en-US"/>
+              <a:t>, O’Reilly </a:t>
+            </a:r>
+            <a:r>
+              <a:rPr lang="en-US" dirty="0"/>
+              <a:t>Media. </a:t>
+            </a:r>
+          </a:p>
+          <a:p>
+            <a:pPr marL="0" indent="0">
+              <a:buNone/>
+            </a:pPr>
+            <a:r>
+              <a:rPr lang="en-US" dirty="0"/>
+              <a:t>This book is completely free and can be downloaded online at </a:t>
+            </a:r>
+            <a:r>
+              <a:rPr lang="en-US" dirty="0" err="1"/>
+              <a:t>O’reilly’s</a:t>
+            </a:r>
+            <a:r>
+              <a:rPr lang="en-US" dirty="0"/>
+              <a:t> site. </a:t>
+            </a:r>
+          </a:p>
+          <a:p>
+            <a:pPr marL="0" indent="0">
+              <a:buNone/>
+            </a:pPr>
+            <a:endParaRPr lang="en-US" dirty="0"/>
+          </a:p>
+        </p:txBody>
+      </p:sp>
+    </p:spTree>
+    <p:extLst>
+      <p:ext uri="{BB962C8B-B14F-4D97-AF65-F5344CB8AC3E}">
+        <p14:creationId xmlns:p14="http://schemas.microsoft.com/office/powerpoint/2010/main" val="1438711869"/>
+      </p:ext>
+    </p:extLst>
+  </p:cSld>
+  <p:clrMapOvr>
+    <a:masterClrMapping/>
+  </p:clrMapOvr>
+</p:sld>
+</file>
+
+<file path=ppt/slides/slide3.xml><?xml version="1.0" encoding="utf-8"?>
+<p:sld xmlns:a="http://schemas.openxmlformats.org/drawingml/2006/main" xmlns:r="http://schemas.openxmlformats.org/officeDocument/2006/relationships" xmlns:p="http://schemas.openxmlformats.org/presentationml/2006/main">
+  <p:cSld>
+    <p:spTree>
+      <p:nvGrpSpPr>
+        <p:cNvPr id="1" name=""/>
+        <p:cNvGrpSpPr/>
+        <p:nvPr/>
+      </p:nvGrpSpPr>
+      <p:grpSpPr>
+        <a:xfrm>
+          <a:off x="0" y="0"/>
+          <a:ext cx="0" cy="0"/>
+          <a:chOff x="0" y="0"/>
+          <a:chExt cx="0" cy="0"/>
+        </a:xfrm>
+      </p:grpSpPr>
+      <p:sp>
+        <p:nvSpPr>
+          <p:cNvPr id="2" name="Title 1">
+            <a:extLst>
+              <a:ext uri="{FF2B5EF4-FFF2-40B4-BE49-F238E27FC236}">
+                <a16:creationId xmlns:a16="http://schemas.microsoft.com/office/drawing/2014/main" id="{AA3A228F-61D0-D949-A5E7-F83756230BF8}"/>
+              </a:ext>
+            </a:extLst>
+          </p:cNvPr>
+          <p:cNvSpPr>
+            <a:spLocks noGrp="1"/>
+          </p:cNvSpPr>
+          <p:nvPr>
+            <p:ph type="title"/>
+          </p:nvPr>
+        </p:nvSpPr>
+        <p:spPr>
+          <a:xfrm>
+            <a:off x="483848" y="467027"/>
+            <a:ext cx="7053542" cy="683886"/>
+          </a:xfrm>
+        </p:spPr>
+        <p:txBody>
+          <a:bodyPr/>
+          <a:lstStyle/>
+          <a:p>
+            <a:r>
+              <a:rPr lang="en-US" dirty="0"/>
+              <a:t>Arithmetic Operations</a:t>
+            </a:r>
+          </a:p>
+        </p:txBody>
+      </p:sp>
+      <p:sp>
+        <p:nvSpPr>
+          <p:cNvPr id="9" name="Content Placeholder 8">
+            <a:extLst>
+              <a:ext uri="{FF2B5EF4-FFF2-40B4-BE49-F238E27FC236}">
+                <a16:creationId xmlns:a16="http://schemas.microsoft.com/office/drawing/2014/main" id="{E3B2E017-30B2-884B-A113-B419A2ED51AD}"/>
+              </a:ext>
+            </a:extLst>
+          </p:cNvPr>
+          <p:cNvSpPr>
+            <a:spLocks noGrp="1"/>
+          </p:cNvSpPr>
+          <p:nvPr>
+            <p:ph idx="1"/>
+          </p:nvPr>
+        </p:nvSpPr>
+        <p:spPr>
+          <a:xfrm>
+            <a:off x="483848" y="1150913"/>
+            <a:ext cx="8051725" cy="4440590"/>
+          </a:xfrm>
+        </p:spPr>
+        <p:txBody>
+          <a:bodyPr>
+            <a:noAutofit/>
+          </a:bodyPr>
+          <a:lstStyle/>
+          <a:p>
+            <a:pPr marL="0" indent="0">
+              <a:buNone/>
+            </a:pPr>
+            <a:endParaRPr lang="en-US" sz="2000" dirty="0"/>
+          </a:p>
+          <a:p>
+            <a:pPr marL="0" indent="0">
+              <a:buNone/>
+            </a:pPr>
+            <a:endParaRPr lang="en-US" sz="2000" b="1" dirty="0">
+              <a:latin typeface="Inconsolata" panose="020B0609030003000000" pitchFamily="49" charset="77"/>
+            </a:endParaRPr>
+          </a:p>
+        </p:txBody>
+      </p:sp>
+      <p:pic>
+        <p:nvPicPr>
+          <p:cNvPr id="5" name="Picture 4">
+            <a:extLst>
+              <a:ext uri="{FF2B5EF4-FFF2-40B4-BE49-F238E27FC236}">
+                <a16:creationId xmlns:a16="http://schemas.microsoft.com/office/drawing/2014/main" id="{95A91F39-ED3A-DF40-A679-CCDEC730876D}"/>
+              </a:ext>
+            </a:extLst>
+          </p:cNvPr>
+          <p:cNvPicPr>
+            <a:picLocks noChangeAspect="1"/>
+          </p:cNvPicPr>
+          <p:nvPr/>
+        </p:nvPicPr>
+        <p:blipFill>
+          <a:blip r:embed="rId2"/>
+          <a:stretch>
+            <a:fillRect/>
+          </a:stretch>
+        </p:blipFill>
+        <p:spPr>
+          <a:xfrm>
+            <a:off x="370918" y="1027416"/>
+            <a:ext cx="6917576" cy="4564087"/>
+          </a:xfrm>
+          <a:prstGeom prst="rect">
+            <a:avLst/>
+          </a:prstGeom>
+        </p:spPr>
+      </p:pic>
+    </p:spTree>
+    <p:extLst>
+      <p:ext uri="{BB962C8B-B14F-4D97-AF65-F5344CB8AC3E}">
+        <p14:creationId xmlns:p14="http://schemas.microsoft.com/office/powerpoint/2010/main" val="2858731145"/>
+      </p:ext>
+    </p:extLst>
+  </p:cSld>
+  <p:clrMapOvr>
+    <a:masterClrMapping/>
+  </p:clrMapOvr>
+</p:sld>
+</file>
+
+<file path=ppt/slides/slide4.xml><?xml version="1.0" encoding="utf-8"?>
+<p:sld xmlns:a="http://schemas.openxmlformats.org/drawingml/2006/main" xmlns:r="http://schemas.openxmlformats.org/officeDocument/2006/relationships" xmlns:p="http://schemas.openxmlformats.org/presentationml/2006/main">
+  <p:cSld>
+    <p:spTree>
+      <p:nvGrpSpPr>
+        <p:cNvPr id="1" name=""/>
+        <p:cNvGrpSpPr/>
+        <p:nvPr/>
+      </p:nvGrpSpPr>
+      <p:grpSpPr>
+        <a:xfrm>
+          <a:off x="0" y="0"/>
+          <a:ext cx="0" cy="0"/>
+          <a:chOff x="0" y="0"/>
+          <a:chExt cx="0" cy="0"/>
+        </a:xfrm>
+      </p:grpSpPr>
+      <p:sp>
+        <p:nvSpPr>
+          <p:cNvPr id="2" name="Title 1">
+            <a:extLst>
+              <a:ext uri="{FF2B5EF4-FFF2-40B4-BE49-F238E27FC236}">
+                <a16:creationId xmlns:a16="http://schemas.microsoft.com/office/drawing/2014/main" id="{AA3A228F-61D0-D949-A5E7-F83756230BF8}"/>
+              </a:ext>
+            </a:extLst>
+          </p:cNvPr>
+          <p:cNvSpPr>
+            <a:spLocks noGrp="1"/>
+          </p:cNvSpPr>
+          <p:nvPr>
+            <p:ph type="title"/>
+          </p:nvPr>
+        </p:nvSpPr>
+        <p:spPr>
+          <a:xfrm>
+            <a:off x="134526" y="97158"/>
+            <a:ext cx="7053542" cy="683886"/>
+          </a:xfrm>
+        </p:spPr>
+        <p:txBody>
+          <a:bodyPr/>
+          <a:lstStyle/>
+          <a:p>
+            <a:r>
+              <a:rPr lang="en-US" dirty="0"/>
+              <a:t>Mixing Types</a:t>
+            </a:r>
+          </a:p>
+        </p:txBody>
+      </p:sp>
+      <p:sp>
+        <p:nvSpPr>
+          <p:cNvPr id="9" name="Content Placeholder 8">
+            <a:extLst>
+              <a:ext uri="{FF2B5EF4-FFF2-40B4-BE49-F238E27FC236}">
+                <a16:creationId xmlns:a16="http://schemas.microsoft.com/office/drawing/2014/main" id="{E3B2E017-30B2-884B-A113-B419A2ED51AD}"/>
+              </a:ext>
+            </a:extLst>
+          </p:cNvPr>
+          <p:cNvSpPr>
+            <a:spLocks noGrp="1"/>
+          </p:cNvSpPr>
+          <p:nvPr>
+            <p:ph idx="1"/>
+          </p:nvPr>
+        </p:nvSpPr>
+        <p:spPr>
+          <a:xfrm>
+            <a:off x="134526" y="781044"/>
+            <a:ext cx="8401047" cy="4933955"/>
+          </a:xfrm>
+        </p:spPr>
+        <p:txBody>
+          <a:bodyPr>
+            <a:noAutofit/>
+          </a:bodyPr>
+          <a:lstStyle/>
+          <a:p>
+            <a:pPr marL="0" indent="0">
+              <a:buNone/>
+            </a:pPr>
+            <a:r>
+              <a:rPr lang="en-US" sz="1900" dirty="0">
+                <a:latin typeface="Gill Sans MT" panose="020B0502020104020203" pitchFamily="34" charset="77"/>
+              </a:rPr>
+              <a:t>Any expression that two floats produce a float. </a:t>
+            </a:r>
+            <a:endParaRPr lang="en-US" sz="1900" b="1" dirty="0">
+              <a:latin typeface="Inconsolata" panose="020B0609030003000000" pitchFamily="49" charset="77"/>
+            </a:endParaRPr>
+          </a:p>
+          <a:p>
+            <a:pPr marL="0" indent="0">
+              <a:buNone/>
+            </a:pPr>
+            <a:r>
+              <a:rPr lang="en-US" sz="2000" b="1" dirty="0">
+                <a:latin typeface="Inconsolata" panose="020B0609030003000000" pitchFamily="49" charset="77"/>
+              </a:rPr>
+              <a:t>x</a:t>
+            </a:r>
+            <a:r>
+              <a:rPr lang="en-US" sz="2000" b="1" dirty="0">
+                <a:solidFill>
+                  <a:srgbClr val="000087"/>
+                </a:solidFill>
+                <a:latin typeface="Inconsolata" panose="020B0609030003000000" pitchFamily="49" charset="77"/>
+              </a:rPr>
+              <a:t> = </a:t>
+            </a:r>
+            <a:r>
+              <a:rPr lang="en-US" sz="2000" b="1" dirty="0">
+                <a:solidFill>
+                  <a:schemeClr val="accent2"/>
+                </a:solidFill>
+                <a:latin typeface="Inconsolata" panose="020B0609030003000000" pitchFamily="49" charset="77"/>
+              </a:rPr>
+              <a:t>17.0 – 10.0 </a:t>
+            </a:r>
+          </a:p>
+          <a:p>
+            <a:pPr marL="0" indent="0">
+              <a:buNone/>
+            </a:pPr>
+            <a:r>
+              <a:rPr lang="en-US" sz="2000" b="1" dirty="0">
+                <a:latin typeface="Inconsolata" panose="020B0609030003000000" pitchFamily="49" charset="77"/>
+              </a:rPr>
+              <a:t>print(x)		</a:t>
+            </a:r>
+            <a:r>
+              <a:rPr lang="en-US" sz="2000" b="1" dirty="0">
+                <a:solidFill>
+                  <a:schemeClr val="accent1"/>
+                </a:solidFill>
+                <a:latin typeface="Inconsolata" panose="020B0609030003000000" pitchFamily="49" charset="77"/>
+              </a:rPr>
+              <a:t># 7.0</a:t>
+            </a:r>
+          </a:p>
+          <a:p>
+            <a:pPr marL="0" indent="0">
+              <a:buNone/>
+            </a:pPr>
+            <a:endParaRPr lang="en-US" sz="2000" dirty="0"/>
+          </a:p>
+          <a:p>
+            <a:pPr marL="0" indent="0">
+              <a:buNone/>
+            </a:pPr>
+            <a:endParaRPr lang="en-US" sz="2000" dirty="0"/>
+          </a:p>
+          <a:p>
+            <a:pPr marL="0" indent="0">
+              <a:buNone/>
+            </a:pPr>
+            <a:r>
+              <a:rPr lang="en-US" sz="2000" dirty="0"/>
+              <a:t>When an expression’s operands are an int and a float, Python automatically converts the int to a float. </a:t>
+            </a:r>
+            <a:endParaRPr lang="en-US" sz="1900" b="1" dirty="0">
+              <a:latin typeface="Inconsolata" panose="020B0609030003000000" pitchFamily="49" charset="77"/>
+            </a:endParaRPr>
+          </a:p>
+          <a:p>
+            <a:pPr marL="0" indent="0">
+              <a:buNone/>
+            </a:pPr>
+            <a:endParaRPr lang="en-US" sz="2000" b="1" dirty="0">
+              <a:latin typeface="Inconsolata" panose="020B0609030003000000" pitchFamily="49" charset="77"/>
+            </a:endParaRPr>
+          </a:p>
+          <a:p>
+            <a:pPr marL="0" indent="0">
+              <a:buNone/>
+            </a:pPr>
+            <a:r>
+              <a:rPr lang="en-US" sz="2000" b="1" dirty="0">
+                <a:latin typeface="Inconsolata" panose="020B0609030003000000" pitchFamily="49" charset="77"/>
+              </a:rPr>
+              <a:t>x</a:t>
+            </a:r>
+            <a:r>
+              <a:rPr lang="en-US" sz="2000" b="1" dirty="0">
+                <a:solidFill>
+                  <a:srgbClr val="000087"/>
+                </a:solidFill>
+                <a:latin typeface="Inconsolata" panose="020B0609030003000000" pitchFamily="49" charset="77"/>
+              </a:rPr>
+              <a:t> = </a:t>
+            </a:r>
+            <a:r>
+              <a:rPr lang="en-US" sz="2000" b="1" dirty="0">
+                <a:solidFill>
+                  <a:schemeClr val="accent2"/>
+                </a:solidFill>
+                <a:latin typeface="Inconsolata" panose="020B0609030003000000" pitchFamily="49" charset="77"/>
+              </a:rPr>
+              <a:t>17.0 – 10</a:t>
+            </a:r>
+          </a:p>
+          <a:p>
+            <a:pPr marL="0" indent="0">
+              <a:buNone/>
+            </a:pPr>
+            <a:r>
+              <a:rPr lang="en-US" sz="2000" b="1" dirty="0">
+                <a:latin typeface="Inconsolata" panose="020B0609030003000000" pitchFamily="49" charset="77"/>
+              </a:rPr>
+              <a:t>print(x)		</a:t>
+            </a:r>
+            <a:r>
+              <a:rPr lang="en-US" sz="2000" b="1" dirty="0">
+                <a:solidFill>
+                  <a:schemeClr val="accent1"/>
+                </a:solidFill>
+                <a:latin typeface="Inconsolata" panose="020B0609030003000000" pitchFamily="49" charset="77"/>
+              </a:rPr>
+              <a:t># 7.0</a:t>
+            </a:r>
+          </a:p>
+          <a:p>
+            <a:pPr marL="0" indent="0">
+              <a:buNone/>
+            </a:pPr>
+            <a:r>
+              <a:rPr lang="en-US" sz="2000" b="1" dirty="0">
+                <a:latin typeface="Inconsolata" panose="020B0609030003000000" pitchFamily="49" charset="77"/>
+              </a:rPr>
+              <a:t>y</a:t>
+            </a:r>
+            <a:r>
+              <a:rPr lang="en-US" sz="2000" b="1" dirty="0">
+                <a:solidFill>
+                  <a:srgbClr val="000087"/>
+                </a:solidFill>
+                <a:latin typeface="Inconsolata" panose="020B0609030003000000" pitchFamily="49" charset="77"/>
+              </a:rPr>
+              <a:t> = </a:t>
+            </a:r>
+            <a:r>
+              <a:rPr lang="en-US" sz="2000" b="1" dirty="0">
+                <a:solidFill>
+                  <a:schemeClr val="accent2"/>
+                </a:solidFill>
+                <a:latin typeface="Inconsolata" panose="020B0609030003000000" pitchFamily="49" charset="77"/>
+              </a:rPr>
+              <a:t>17 – 10.0 </a:t>
+            </a:r>
+          </a:p>
+          <a:p>
+            <a:pPr marL="0" indent="0">
+              <a:buNone/>
+            </a:pPr>
+            <a:r>
+              <a:rPr lang="en-US" sz="2000" b="1" dirty="0">
+                <a:latin typeface="Inconsolata" panose="020B0609030003000000" pitchFamily="49" charset="77"/>
+              </a:rPr>
+              <a:t>print(y)		</a:t>
+            </a:r>
+            <a:r>
+              <a:rPr lang="en-US" sz="2000" b="1" dirty="0">
+                <a:solidFill>
+                  <a:schemeClr val="accent1"/>
+                </a:solidFill>
+                <a:latin typeface="Inconsolata" panose="020B0609030003000000" pitchFamily="49" charset="77"/>
+              </a:rPr>
+              <a:t># 7.0</a:t>
+            </a:r>
+          </a:p>
+          <a:p>
+            <a:pPr marL="0" indent="0">
+              <a:buNone/>
+            </a:pPr>
+            <a:endParaRPr lang="en-US" sz="2000" b="1" dirty="0">
+              <a:latin typeface="Inconsolata" panose="020B0609030003000000" pitchFamily="49" charset="77"/>
+            </a:endParaRPr>
+          </a:p>
+          <a:p>
+            <a:pPr marL="0" indent="0">
+              <a:buNone/>
+            </a:pPr>
+            <a:endParaRPr lang="en-US" sz="2000" b="1" dirty="0">
+              <a:latin typeface="Inconsolata" panose="020B0609030003000000" pitchFamily="49" charset="77"/>
+            </a:endParaRPr>
+          </a:p>
+          <a:p>
+            <a:pPr marL="0" indent="0">
+              <a:buNone/>
+            </a:pPr>
+            <a:endParaRPr lang="en-US" sz="1900" b="1" dirty="0">
+              <a:latin typeface="Inconsolata" panose="020B0609030003000000" pitchFamily="49" charset="77"/>
+            </a:endParaRPr>
+          </a:p>
+        </p:txBody>
+      </p:sp>
+    </p:spTree>
+    <p:extLst>
+      <p:ext uri="{BB962C8B-B14F-4D97-AF65-F5344CB8AC3E}">
+        <p14:creationId xmlns:p14="http://schemas.microsoft.com/office/powerpoint/2010/main" val="2187468341"/>
+      </p:ext>
+    </p:extLst>
+  </p:cSld>
+  <p:clrMapOvr>
+    <a:masterClrMapping/>
+  </p:clrMapOvr>
+  <p:timing>
+    <p:tnLst>
+      <p:par>
+        <p:cTn id="1" dur="indefinite" restart="never" nodeType="tmRoot">
+          <p:childTnLst>
+            <p:seq concurrent="1" nextAc="seek">
+              <p:cTn id="2" dur="indefinite" nodeType="mainSeq">
+                <p:childTnLst>
+                  <p:par>
+                    <p:cTn id="3" fill="hold">
+                      <p:stCondLst>
+                        <p:cond delay="indefinite"/>
+                      </p:stCondLst>
+                      <p:childTnLst>
+                        <p:par>
+                          <p:cTn id="4" fill="hold">
+                            <p:stCondLst>
+                              <p:cond delay="0"/>
+                            </p:stCondLst>
+                            <p:childTnLst>
+                              <p:par>
+                                <p:cTn id="5" presetID="1" presetClass="entr" presetSubtype="0" fill="hold" nodeType="clickEffect">
+                                  <p:stCondLst>
+                                    <p:cond delay="0"/>
+                                  </p:stCondLst>
+                                  <p:childTnLst>
+                                    <p:set>
+                                      <p:cBhvr>
+                                        <p:cTn id="6" dur="1" fill="hold">
+                                          <p:stCondLst>
+                                            <p:cond delay="0"/>
+                                          </p:stCondLst>
+                                        </p:cTn>
+                                        <p:tgtEl>
+                                          <p:spTgt spid="9">
+                                            <p:txEl>
+                                              <p:pRg st="5" end="5"/>
+                                            </p:txEl>
+                                          </p:spTgt>
+                                        </p:tgtEl>
+                                        <p:attrNameLst>
+                                          <p:attrName>style.visibility</p:attrName>
+                                        </p:attrNameLst>
+                                      </p:cBhvr>
+                                      <p:to>
+                                        <p:strVal val="visible"/>
+                                      </p:to>
+                                    </p:set>
+                                  </p:childTnLst>
+                                </p:cTn>
+                              </p:par>
+                            </p:childTnLst>
+                          </p:cTn>
+                        </p:par>
+                      </p:childTnLst>
+                    </p:cTn>
+                  </p:par>
+                </p:childTnLst>
+              </p:cTn>
+              <p:prevCondLst>
+                <p:cond evt="onPrev" delay="0">
+                  <p:tgtEl>
+                    <p:sldTgt/>
+                  </p:tgtEl>
+                </p:cond>
+              </p:prevCondLst>
+              <p:nextCondLst>
+                <p:cond evt="onNext" delay="0">
+                  <p:tgtEl>
+                    <p:sldTgt/>
+                  </p:tgtEl>
+                </p:cond>
+              </p:nextCondLst>
+            </p:seq>
+          </p:childTnLst>
+        </p:cTn>
+      </p:par>
+    </p:tnLst>
+  </p:timing>
+</p:sld>
+</file>
+
+<file path=ppt/slides/slide5.xml><?xml version="1.0" encoding="utf-8"?>
+<p:sld xmlns:a="http://schemas.openxmlformats.org/drawingml/2006/main" xmlns:r="http://schemas.openxmlformats.org/officeDocument/2006/relationships" xmlns:p="http://schemas.openxmlformats.org/presentationml/2006/main">
+  <p:cSld>
+    <p:spTree>
+      <p:nvGrpSpPr>
+        <p:cNvPr id="1" name=""/>
+        <p:cNvGrpSpPr/>
+        <p:nvPr/>
+      </p:nvGrpSpPr>
+      <p:grpSpPr>
+        <a:xfrm>
+          <a:off x="0" y="0"/>
+          <a:ext cx="0" cy="0"/>
+          <a:chOff x="0" y="0"/>
+          <a:chExt cx="0" cy="0"/>
+        </a:xfrm>
+      </p:grpSpPr>
+      <p:sp>
+        <p:nvSpPr>
+          <p:cNvPr id="2" name="Title 1">
+            <a:extLst>
+              <a:ext uri="{FF2B5EF4-FFF2-40B4-BE49-F238E27FC236}">
+                <a16:creationId xmlns:a16="http://schemas.microsoft.com/office/drawing/2014/main" id="{AA3A228F-61D0-D949-A5E7-F83756230BF8}"/>
+              </a:ext>
+            </a:extLst>
+          </p:cNvPr>
+          <p:cNvSpPr>
+            <a:spLocks noGrp="1"/>
+          </p:cNvSpPr>
+          <p:nvPr>
+            <p:ph type="title"/>
+          </p:nvPr>
+        </p:nvSpPr>
+        <p:spPr>
+          <a:xfrm>
+            <a:off x="124253" y="148528"/>
+            <a:ext cx="7053542" cy="683886"/>
+          </a:xfrm>
+        </p:spPr>
+        <p:txBody>
+          <a:bodyPr/>
+          <a:lstStyle/>
+          <a:p>
+            <a:r>
+              <a:rPr lang="en-US" dirty="0"/>
+              <a:t>True Division vs Floor Division</a:t>
+            </a:r>
+          </a:p>
+        </p:txBody>
+      </p:sp>
+      <p:sp>
+        <p:nvSpPr>
+          <p:cNvPr id="9" name="Content Placeholder 8">
+            <a:extLst>
+              <a:ext uri="{FF2B5EF4-FFF2-40B4-BE49-F238E27FC236}">
+                <a16:creationId xmlns:a16="http://schemas.microsoft.com/office/drawing/2014/main" id="{E3B2E017-30B2-884B-A113-B419A2ED51AD}"/>
+              </a:ext>
+            </a:extLst>
+          </p:cNvPr>
+          <p:cNvSpPr>
+            <a:spLocks noGrp="1"/>
+          </p:cNvSpPr>
+          <p:nvPr>
+            <p:ph idx="1"/>
+          </p:nvPr>
+        </p:nvSpPr>
+        <p:spPr>
+          <a:xfrm>
+            <a:off x="124254" y="750014"/>
+            <a:ext cx="8411320" cy="4964986"/>
+          </a:xfrm>
+        </p:spPr>
+        <p:txBody>
+          <a:bodyPr>
+            <a:noAutofit/>
+          </a:bodyPr>
+          <a:lstStyle/>
+          <a:p>
+            <a:pPr marL="0" indent="0">
+              <a:buNone/>
+            </a:pPr>
+            <a:r>
+              <a:rPr lang="en-US" sz="2000" dirty="0">
+                <a:latin typeface="Gill Sans MT" panose="020B0502020104020203" pitchFamily="34" charset="77"/>
+              </a:rPr>
+              <a:t>The operator / is true division and the operator // returns floor division(round down after true divide). True divide / always gives the answer as a float. </a:t>
+            </a:r>
+            <a:endParaRPr lang="en-US" sz="2000" b="1" dirty="0">
+              <a:latin typeface="Inconsolata" panose="020B0609030003000000" pitchFamily="49" charset="77"/>
+            </a:endParaRPr>
+          </a:p>
+          <a:p>
+            <a:pPr marL="0" indent="0">
+              <a:buNone/>
+            </a:pPr>
+            <a:endParaRPr lang="en-US" sz="2000" b="1" dirty="0">
+              <a:solidFill>
+                <a:srgbClr val="000087"/>
+              </a:solidFill>
+              <a:latin typeface="Inconsolata" panose="020B0609030003000000" pitchFamily="49" charset="77"/>
+            </a:endParaRPr>
+          </a:p>
+          <a:p>
+            <a:pPr marL="0" indent="0">
+              <a:buNone/>
+            </a:pPr>
+            <a:r>
+              <a:rPr lang="en-US" b="1" dirty="0">
+                <a:solidFill>
+                  <a:srgbClr val="000087"/>
+                </a:solidFill>
+                <a:latin typeface="Inconsolata" panose="020B0609030003000000" pitchFamily="49" charset="77"/>
+              </a:rPr>
+              <a:t>print(</a:t>
+            </a:r>
+            <a:r>
+              <a:rPr lang="en-US" b="1" dirty="0">
+                <a:latin typeface="Inconsolata" panose="020B0609030003000000" pitchFamily="49" charset="77"/>
+              </a:rPr>
+              <a:t>23 // 7)</a:t>
+            </a:r>
+            <a:r>
+              <a:rPr lang="en-US" b="1" dirty="0">
+                <a:solidFill>
+                  <a:srgbClr val="FF6600"/>
+                </a:solidFill>
+                <a:latin typeface="Inconsolata" panose="020B0609030003000000" pitchFamily="49" charset="77"/>
+              </a:rPr>
+              <a:t> 	</a:t>
+            </a:r>
+            <a:r>
+              <a:rPr lang="en-US" b="1" dirty="0">
+                <a:solidFill>
+                  <a:schemeClr val="accent1"/>
+                </a:solidFill>
+                <a:latin typeface="Inconsolata" panose="020B0609030003000000" pitchFamily="49" charset="77"/>
+              </a:rPr>
+              <a:t># 3</a:t>
+            </a:r>
+          </a:p>
+          <a:p>
+            <a:pPr marL="0" indent="0">
+              <a:buNone/>
+            </a:pPr>
+            <a:r>
+              <a:rPr lang="en-US" b="1" dirty="0">
+                <a:solidFill>
+                  <a:srgbClr val="000087"/>
+                </a:solidFill>
+                <a:latin typeface="Inconsolata" panose="020B0609030003000000" pitchFamily="49" charset="77"/>
+              </a:rPr>
+              <a:t>print(</a:t>
+            </a:r>
+            <a:r>
+              <a:rPr lang="en-US" b="1" dirty="0">
+                <a:latin typeface="Inconsolata" panose="020B0609030003000000" pitchFamily="49" charset="77"/>
+              </a:rPr>
+              <a:t>3 // 9)		</a:t>
+            </a:r>
+            <a:r>
+              <a:rPr lang="en-US" b="1" dirty="0">
+                <a:solidFill>
+                  <a:schemeClr val="accent1"/>
+                </a:solidFill>
+                <a:latin typeface="Inconsolata" panose="020B0609030003000000" pitchFamily="49" charset="77"/>
+              </a:rPr>
+              <a:t># 0</a:t>
+            </a:r>
+            <a:r>
+              <a:rPr lang="en-US" b="1" dirty="0">
+                <a:solidFill>
+                  <a:srgbClr val="FF6600"/>
+                </a:solidFill>
+                <a:latin typeface="Inconsolata" panose="020B0609030003000000" pitchFamily="49" charset="77"/>
+              </a:rPr>
+              <a:t> </a:t>
+            </a:r>
+            <a:endParaRPr lang="en-US" b="1" dirty="0">
+              <a:latin typeface="Inconsolata" panose="020B0609030003000000" pitchFamily="49" charset="77"/>
+            </a:endParaRPr>
+          </a:p>
+          <a:p>
+            <a:pPr marL="0" indent="0">
+              <a:buNone/>
+            </a:pPr>
+            <a:r>
+              <a:rPr lang="en-US" b="1" dirty="0">
+                <a:solidFill>
+                  <a:srgbClr val="000087"/>
+                </a:solidFill>
+                <a:latin typeface="Inconsolata" panose="020B0609030003000000" pitchFamily="49" charset="77"/>
+              </a:rPr>
+              <a:t>print(</a:t>
+            </a:r>
+            <a:r>
+              <a:rPr lang="en-US" b="1" dirty="0">
+                <a:latin typeface="Inconsolata" panose="020B0609030003000000" pitchFamily="49" charset="77"/>
+              </a:rPr>
+              <a:t>-4 // 3)</a:t>
+            </a:r>
+            <a:r>
+              <a:rPr lang="en-US" b="1" dirty="0">
+                <a:solidFill>
+                  <a:srgbClr val="FF6600"/>
+                </a:solidFill>
+                <a:latin typeface="Inconsolata" panose="020B0609030003000000" pitchFamily="49" charset="77"/>
+              </a:rPr>
+              <a:t> 	</a:t>
+            </a:r>
+            <a:r>
+              <a:rPr lang="en-US" b="1" dirty="0">
+                <a:solidFill>
+                  <a:schemeClr val="accent1"/>
+                </a:solidFill>
+                <a:latin typeface="Inconsolata" panose="020B0609030003000000" pitchFamily="49" charset="77"/>
+              </a:rPr>
+              <a:t># -2</a:t>
+            </a:r>
+          </a:p>
+          <a:p>
+            <a:pPr marL="0" indent="0">
+              <a:buNone/>
+            </a:pPr>
+            <a:r>
+              <a:rPr lang="en-US" b="1" dirty="0">
+                <a:solidFill>
+                  <a:srgbClr val="000087"/>
+                </a:solidFill>
+                <a:latin typeface="Inconsolata" panose="020B0609030003000000" pitchFamily="49" charset="77"/>
+              </a:rPr>
+              <a:t>print(</a:t>
+            </a:r>
+            <a:r>
+              <a:rPr lang="en-US" b="1" dirty="0">
+                <a:latin typeface="Inconsolata" panose="020B0609030003000000" pitchFamily="49" charset="77"/>
+              </a:rPr>
+              <a:t>6 / 5)</a:t>
+            </a:r>
+            <a:r>
+              <a:rPr lang="en-US" b="1" dirty="0">
+                <a:solidFill>
+                  <a:srgbClr val="FF6600"/>
+                </a:solidFill>
+                <a:latin typeface="Inconsolata" panose="020B0609030003000000" pitchFamily="49" charset="77"/>
+              </a:rPr>
+              <a:t>		</a:t>
+            </a:r>
+            <a:r>
+              <a:rPr lang="en-US" b="1" dirty="0">
+                <a:solidFill>
+                  <a:schemeClr val="accent1"/>
+                </a:solidFill>
+                <a:latin typeface="Inconsolata" panose="020B0609030003000000" pitchFamily="49" charset="77"/>
+              </a:rPr>
+              <a:t># 1.2</a:t>
+            </a:r>
+          </a:p>
+          <a:p>
+            <a:pPr marL="0" indent="0">
+              <a:buNone/>
+            </a:pPr>
+            <a:r>
+              <a:rPr lang="en-US" b="1" dirty="0">
+                <a:solidFill>
+                  <a:srgbClr val="000087"/>
+                </a:solidFill>
+                <a:latin typeface="Inconsolata" panose="020B0609030003000000" pitchFamily="49" charset="77"/>
+              </a:rPr>
+              <a:t>print(</a:t>
+            </a:r>
+            <a:r>
+              <a:rPr lang="en-US" b="1" dirty="0">
+                <a:latin typeface="Inconsolata" panose="020B0609030003000000" pitchFamily="49" charset="77"/>
+              </a:rPr>
+              <a:t>6 / 3)</a:t>
+            </a:r>
+            <a:r>
+              <a:rPr lang="en-US" b="1" dirty="0">
+                <a:solidFill>
+                  <a:srgbClr val="FF6600"/>
+                </a:solidFill>
+                <a:latin typeface="Inconsolata" panose="020B0609030003000000" pitchFamily="49" charset="77"/>
+              </a:rPr>
+              <a:t>		</a:t>
+            </a:r>
+            <a:r>
+              <a:rPr lang="en-US" b="1" dirty="0">
+                <a:solidFill>
+                  <a:schemeClr val="accent1"/>
+                </a:solidFill>
+                <a:latin typeface="Inconsolata" panose="020B0609030003000000" pitchFamily="49" charset="77"/>
+              </a:rPr>
+              <a:t># 2.0 NOT 2!</a:t>
+            </a:r>
+          </a:p>
+          <a:p>
+            <a:pPr marL="0" indent="0">
+              <a:buNone/>
+            </a:pPr>
+            <a:endParaRPr lang="en-US" b="1" dirty="0">
+              <a:solidFill>
+                <a:schemeClr val="accent1"/>
+              </a:solidFill>
+              <a:latin typeface="Inconsolata" panose="020B0609030003000000" pitchFamily="49" charset="77"/>
+            </a:endParaRPr>
+          </a:p>
+          <a:p>
+            <a:pPr marL="0" indent="0">
+              <a:buNone/>
+            </a:pPr>
+            <a:endParaRPr lang="en-US" b="1" dirty="0">
+              <a:latin typeface="Inconsolata" panose="020B0609030003000000" pitchFamily="49" charset="77"/>
+            </a:endParaRPr>
+          </a:p>
+          <a:p>
+            <a:pPr marL="0" indent="0">
+              <a:buNone/>
+            </a:pPr>
+            <a:endParaRPr lang="en-US" sz="1800" b="1" dirty="0">
+              <a:latin typeface="Inconsolata" panose="020B0609030003000000" pitchFamily="49" charset="77"/>
+            </a:endParaRPr>
+          </a:p>
+          <a:p>
+            <a:pPr marL="0" indent="0">
+              <a:buNone/>
+            </a:pPr>
+            <a:endParaRPr lang="en-US" sz="1900" dirty="0">
+              <a:latin typeface="Gill Sans MT" panose="020B0502020104020203" pitchFamily="34" charset="77"/>
+            </a:endParaRPr>
+          </a:p>
+          <a:p>
+            <a:pPr marL="0" indent="0">
+              <a:buNone/>
+            </a:pPr>
+            <a:endParaRPr lang="en-US" sz="1900" dirty="0">
+              <a:latin typeface="Gill Sans MT" panose="020B0502020104020203" pitchFamily="34" charset="77"/>
+            </a:endParaRPr>
+          </a:p>
+          <a:p>
+            <a:pPr marL="0" indent="0">
+              <a:buNone/>
+            </a:pPr>
+            <a:endParaRPr lang="en-US" sz="1900" dirty="0">
+              <a:latin typeface="Gill Sans MT" panose="020B0502020104020203" pitchFamily="34" charset="77"/>
+            </a:endParaRPr>
+          </a:p>
+        </p:txBody>
+      </p:sp>
+    </p:spTree>
+    <p:extLst>
+      <p:ext uri="{BB962C8B-B14F-4D97-AF65-F5344CB8AC3E}">
+        <p14:creationId xmlns:p14="http://schemas.microsoft.com/office/powerpoint/2010/main" val="1445414918"/>
       </p:ext>
     </p:extLst>
   </p:cSld>
@@ -13732,39 +15553,26 @@
                                   </p:childTnLst>
                                 </p:cTn>
                               </p:par>
+                            </p:childTnLst>
+                          </p:cTn>
+                        </p:par>
+                      </p:childTnLst>
+                    </p:cTn>
+                  </p:par>
+                  <p:par>
+                    <p:cTn id="19" fill="hold">
+                      <p:stCondLst>
+                        <p:cond delay="indefinite"/>
+                      </p:stCondLst>
+                      <p:childTnLst>
+                        <p:par>
+                          <p:cTn id="20" fill="hold">
+                            <p:stCondLst>
+                              <p:cond delay="0"/>
+                            </p:stCondLst>
+                            <p:childTnLst>
                               <p:par>
-                                <p:cTn id="19" presetID="1" presetClass="entr" presetSubtype="0" fill="hold" nodeType="withEffect">
-                                  <p:stCondLst>
-                                    <p:cond delay="0"/>
-                                  </p:stCondLst>
-                                  <p:childTnLst>
-                                    <p:set>
-                                      <p:cBhvr>
-                                        <p:cTn id="20" dur="1" fill="hold">
-                                          <p:stCondLst>
-                                            <p:cond delay="0"/>
-                                          </p:stCondLst>
-                                        </p:cTn>
-                                        <p:tgtEl>
-                                          <p:spTgt spid="9">
-                                            <p:txEl>
-                                              <p:pRg st="6" end="6"/>
-                                            </p:txEl>
-                                          </p:spTgt>
-                                        </p:tgtEl>
-                                        <p:attrNameLst>
-                                          <p:attrName>style.visibility</p:attrName>
-                                        </p:attrNameLst>
-                                      </p:cBhvr>
-                                      <p:to>
-                                        <p:strVal val="visible"/>
-                                      </p:to>
-                                    </p:set>
-                                  </p:childTnLst>
-                                </p:cTn>
-                              </p:par>
-                              <p:par>
-                                <p:cTn id="21" presetID="1" presetClass="entr" presetSubtype="0" fill="hold" nodeType="withEffect">
+                                <p:cTn id="21" presetID="1" presetClass="entr" presetSubtype="0" fill="hold" nodeType="clickEffect">
                                   <p:stCondLst>
                                     <p:cond delay="0"/>
                                   </p:stCondLst>
@@ -13779,1285 +15587,7 @@
                                         <p:tgtEl>
                                           <p:spTgt spid="9">
                                             <p:txEl>
-                                              <p:pRg st="7" end="7"/>
-                                            </p:txEl>
-                                          </p:spTgt>
-                                        </p:tgtEl>
-                                        <p:attrNameLst>
-                                          <p:attrName>style.visibility</p:attrName>
-                                        </p:attrNameLst>
-                                      </p:cBhvr>
-                                      <p:to>
-                                        <p:strVal val="visible"/>
-                                      </p:to>
-                                    </p:set>
-                                  </p:childTnLst>
-                                </p:cTn>
-                              </p:par>
-                              <p:par>
-                                <p:cTn id="23" presetID="1" presetClass="entr" presetSubtype="0" fill="hold" nodeType="withEffect">
-                                  <p:stCondLst>
-                                    <p:cond delay="0"/>
-                                  </p:stCondLst>
-                                  <p:childTnLst>
-                                    <p:set>
-                                      <p:cBhvr>
-                                        <p:cTn id="24" dur="1" fill="hold">
-                                          <p:stCondLst>
-                                            <p:cond delay="0"/>
-                                          </p:stCondLst>
-                                        </p:cTn>
-                                        <p:tgtEl>
-                                          <p:spTgt spid="9">
-                                            <p:txEl>
-                                              <p:pRg st="8" end="8"/>
-                                            </p:txEl>
-                                          </p:spTgt>
-                                        </p:tgtEl>
-                                        <p:attrNameLst>
-                                          <p:attrName>style.visibility</p:attrName>
-                                        </p:attrNameLst>
-                                      </p:cBhvr>
-                                      <p:to>
-                                        <p:strVal val="visible"/>
-                                      </p:to>
-                                    </p:set>
-                                  </p:childTnLst>
-                                </p:cTn>
-                              </p:par>
-                              <p:par>
-                                <p:cTn id="25" presetID="1" presetClass="entr" presetSubtype="0" fill="hold" nodeType="withEffect">
-                                  <p:stCondLst>
-                                    <p:cond delay="0"/>
-                                  </p:stCondLst>
-                                  <p:childTnLst>
-                                    <p:set>
-                                      <p:cBhvr>
-                                        <p:cTn id="26" dur="1" fill="hold">
-                                          <p:stCondLst>
-                                            <p:cond delay="0"/>
-                                          </p:stCondLst>
-                                        </p:cTn>
-                                        <p:tgtEl>
-                                          <p:spTgt spid="9">
-                                            <p:txEl>
-                                              <p:pRg st="9" end="9"/>
-                                            </p:txEl>
-                                          </p:spTgt>
-                                        </p:tgtEl>
-                                        <p:attrNameLst>
-                                          <p:attrName>style.visibility</p:attrName>
-                                        </p:attrNameLst>
-                                      </p:cBhvr>
-                                      <p:to>
-                                        <p:strVal val="visible"/>
-                                      </p:to>
-                                    </p:set>
-                                  </p:childTnLst>
-                                </p:cTn>
-                              </p:par>
-                            </p:childTnLst>
-                          </p:cTn>
-                        </p:par>
-                      </p:childTnLst>
-                    </p:cTn>
-                  </p:par>
-                </p:childTnLst>
-              </p:cTn>
-              <p:prevCondLst>
-                <p:cond evt="onPrev" delay="0">
-                  <p:tgtEl>
-                    <p:sldTgt/>
-                  </p:tgtEl>
-                </p:cond>
-              </p:prevCondLst>
-              <p:nextCondLst>
-                <p:cond evt="onNext" delay="0">
-                  <p:tgtEl>
-                    <p:sldTgt/>
-                  </p:tgtEl>
-                </p:cond>
-              </p:nextCondLst>
-            </p:seq>
-          </p:childTnLst>
-        </p:cTn>
-      </p:par>
-    </p:tnLst>
-  </p:timing>
-</p:sld>
-</file>
-
-<file path=ppt/slides/slide20.xml><?xml version="1.0" encoding="utf-8"?>
-<p:sld xmlns:a="http://schemas.openxmlformats.org/drawingml/2006/main" xmlns:r="http://schemas.openxmlformats.org/officeDocument/2006/relationships" xmlns:p="http://schemas.openxmlformats.org/presentationml/2006/main">
-  <p:cSld>
-    <p:spTree>
-      <p:nvGrpSpPr>
-        <p:cNvPr id="1" name=""/>
-        <p:cNvGrpSpPr/>
-        <p:nvPr/>
-      </p:nvGrpSpPr>
-      <p:grpSpPr>
-        <a:xfrm>
-          <a:off x="0" y="0"/>
-          <a:ext cx="0" cy="0"/>
-          <a:chOff x="0" y="0"/>
-          <a:chExt cx="0" cy="0"/>
-        </a:xfrm>
-      </p:grpSpPr>
-      <p:sp>
-        <p:nvSpPr>
-          <p:cNvPr id="2" name="Title 1">
-            <a:extLst>
-              <a:ext uri="{FF2B5EF4-FFF2-40B4-BE49-F238E27FC236}">
-                <a16:creationId xmlns:a16="http://schemas.microsoft.com/office/drawing/2014/main" id="{AA3A228F-61D0-D949-A5E7-F83756230BF8}"/>
-              </a:ext>
-            </a:extLst>
-          </p:cNvPr>
-          <p:cNvSpPr>
-            <a:spLocks noGrp="1"/>
-          </p:cNvSpPr>
-          <p:nvPr>
-            <p:ph type="title"/>
-          </p:nvPr>
-        </p:nvSpPr>
-        <p:spPr>
-          <a:xfrm>
-            <a:off x="483848" y="467027"/>
-            <a:ext cx="7053542" cy="683886"/>
-          </a:xfrm>
-        </p:spPr>
-        <p:txBody>
-          <a:bodyPr/>
-          <a:lstStyle/>
-          <a:p>
-            <a:r>
-              <a:rPr lang="en-US" dirty="0"/>
-              <a:t>References</a:t>
-            </a:r>
-          </a:p>
-        </p:txBody>
-      </p:sp>
-      <p:sp>
-        <p:nvSpPr>
-          <p:cNvPr id="9" name="Content Placeholder 8">
-            <a:extLst>
-              <a:ext uri="{FF2B5EF4-FFF2-40B4-BE49-F238E27FC236}">
-                <a16:creationId xmlns:a16="http://schemas.microsoft.com/office/drawing/2014/main" id="{E3B2E017-30B2-884B-A113-B419A2ED51AD}"/>
-              </a:ext>
-            </a:extLst>
-          </p:cNvPr>
-          <p:cNvSpPr>
-            <a:spLocks noGrp="1"/>
-          </p:cNvSpPr>
-          <p:nvPr>
-            <p:ph idx="1"/>
-          </p:nvPr>
-        </p:nvSpPr>
-        <p:spPr>
-          <a:xfrm>
-            <a:off x="483848" y="1150913"/>
-            <a:ext cx="8051725" cy="4440590"/>
-          </a:xfrm>
-        </p:spPr>
-        <p:txBody>
-          <a:bodyPr>
-            <a:noAutofit/>
-          </a:bodyPr>
-          <a:lstStyle/>
-          <a:p>
-            <a:pPr marL="0" indent="0">
-              <a:buNone/>
-            </a:pPr>
-            <a:endParaRPr lang="en-US" dirty="0"/>
-          </a:p>
-          <a:p>
-            <a:pPr marL="0" indent="0">
-              <a:buNone/>
-            </a:pPr>
-            <a:endParaRPr lang="en-US"/>
-          </a:p>
-          <a:p>
-            <a:pPr marL="0" indent="0">
-              <a:buNone/>
-            </a:pPr>
-            <a:endParaRPr lang="en-US" dirty="0"/>
-          </a:p>
-          <a:p>
-            <a:pPr marL="457200" indent="-457200">
-              <a:buAutoNum type="arabicParenR"/>
-            </a:pPr>
-            <a:r>
-              <a:rPr lang="en-US" dirty="0" err="1"/>
-              <a:t>Vanderplas</a:t>
-            </a:r>
-            <a:r>
-              <a:rPr lang="en-US" dirty="0"/>
-              <a:t>, Jake, A Whirlwind Tour of Python, </a:t>
-            </a:r>
-            <a:r>
-              <a:rPr lang="en-US" dirty="0" err="1"/>
-              <a:t>O’reilly</a:t>
-            </a:r>
-            <a:r>
-              <a:rPr lang="en-US" dirty="0"/>
-              <a:t> Media. </a:t>
-            </a:r>
-          </a:p>
-          <a:p>
-            <a:pPr marL="0" indent="0">
-              <a:buNone/>
-            </a:pPr>
-            <a:endParaRPr lang="en-US" dirty="0"/>
-          </a:p>
-          <a:p>
-            <a:pPr marL="0" indent="0">
-              <a:buNone/>
-            </a:pPr>
-            <a:r>
-              <a:rPr lang="en-US" dirty="0"/>
-              <a:t>This book is completely free and can be downloaded online at </a:t>
-            </a:r>
-            <a:r>
-              <a:rPr lang="en-US" dirty="0" err="1"/>
-              <a:t>O’reilly’s</a:t>
-            </a:r>
-            <a:r>
-              <a:rPr lang="en-US" dirty="0"/>
-              <a:t> site. </a:t>
-            </a:r>
-          </a:p>
-        </p:txBody>
-      </p:sp>
-    </p:spTree>
-    <p:extLst>
-      <p:ext uri="{BB962C8B-B14F-4D97-AF65-F5344CB8AC3E}">
-        <p14:creationId xmlns:p14="http://schemas.microsoft.com/office/powerpoint/2010/main" val="1438711869"/>
-      </p:ext>
-    </p:extLst>
-  </p:cSld>
-  <p:clrMapOvr>
-    <a:masterClrMapping/>
-  </p:clrMapOvr>
-</p:sld>
-</file>
-
-<file path=ppt/slides/slide3.xml><?xml version="1.0" encoding="utf-8"?>
-<p:sld xmlns:a="http://schemas.openxmlformats.org/drawingml/2006/main" xmlns:r="http://schemas.openxmlformats.org/officeDocument/2006/relationships" xmlns:p="http://schemas.openxmlformats.org/presentationml/2006/main">
-  <p:cSld>
-    <p:spTree>
-      <p:nvGrpSpPr>
-        <p:cNvPr id="1" name=""/>
-        <p:cNvGrpSpPr/>
-        <p:nvPr/>
-      </p:nvGrpSpPr>
-      <p:grpSpPr>
-        <a:xfrm>
-          <a:off x="0" y="0"/>
-          <a:ext cx="0" cy="0"/>
-          <a:chOff x="0" y="0"/>
-          <a:chExt cx="0" cy="0"/>
-        </a:xfrm>
-      </p:grpSpPr>
-      <p:sp>
-        <p:nvSpPr>
-          <p:cNvPr id="2" name="Title 1">
-            <a:extLst>
-              <a:ext uri="{FF2B5EF4-FFF2-40B4-BE49-F238E27FC236}">
-                <a16:creationId xmlns:a16="http://schemas.microsoft.com/office/drawing/2014/main" id="{AA3A228F-61D0-D949-A5E7-F83756230BF8}"/>
-              </a:ext>
-            </a:extLst>
-          </p:cNvPr>
-          <p:cNvSpPr>
-            <a:spLocks noGrp="1"/>
-          </p:cNvSpPr>
-          <p:nvPr>
-            <p:ph type="title"/>
-          </p:nvPr>
-        </p:nvSpPr>
-        <p:spPr>
-          <a:xfrm>
-            <a:off x="483848" y="467027"/>
-            <a:ext cx="7053542" cy="683886"/>
-          </a:xfrm>
-        </p:spPr>
-        <p:txBody>
-          <a:bodyPr/>
-          <a:lstStyle/>
-          <a:p>
-            <a:r>
-              <a:rPr lang="en-US" dirty="0"/>
-              <a:t>Arithmetic Operations</a:t>
-            </a:r>
-          </a:p>
-        </p:txBody>
-      </p:sp>
-      <p:sp>
-        <p:nvSpPr>
-          <p:cNvPr id="9" name="Content Placeholder 8">
-            <a:extLst>
-              <a:ext uri="{FF2B5EF4-FFF2-40B4-BE49-F238E27FC236}">
-                <a16:creationId xmlns:a16="http://schemas.microsoft.com/office/drawing/2014/main" id="{E3B2E017-30B2-884B-A113-B419A2ED51AD}"/>
-              </a:ext>
-            </a:extLst>
-          </p:cNvPr>
-          <p:cNvSpPr>
-            <a:spLocks noGrp="1"/>
-          </p:cNvSpPr>
-          <p:nvPr>
-            <p:ph idx="1"/>
-          </p:nvPr>
-        </p:nvSpPr>
-        <p:spPr>
-          <a:xfrm>
-            <a:off x="483848" y="1150913"/>
-            <a:ext cx="8051725" cy="4440590"/>
-          </a:xfrm>
-        </p:spPr>
-        <p:txBody>
-          <a:bodyPr>
-            <a:noAutofit/>
-          </a:bodyPr>
-          <a:lstStyle/>
-          <a:p>
-            <a:pPr marL="0" indent="0">
-              <a:buNone/>
-            </a:pPr>
-            <a:endParaRPr lang="en-US" sz="2000" dirty="0"/>
-          </a:p>
-          <a:p>
-            <a:pPr marL="0" indent="0">
-              <a:buNone/>
-            </a:pPr>
-            <a:endParaRPr lang="en-US" sz="2000" b="1" dirty="0">
-              <a:latin typeface="Inconsolata" panose="020B0609030003000000" pitchFamily="49" charset="77"/>
-            </a:endParaRPr>
-          </a:p>
-        </p:txBody>
-      </p:sp>
-      <p:pic>
-        <p:nvPicPr>
-          <p:cNvPr id="5" name="Picture 4">
-            <a:extLst>
-              <a:ext uri="{FF2B5EF4-FFF2-40B4-BE49-F238E27FC236}">
-                <a16:creationId xmlns:a16="http://schemas.microsoft.com/office/drawing/2014/main" id="{95A91F39-ED3A-DF40-A679-CCDEC730876D}"/>
-              </a:ext>
-            </a:extLst>
-          </p:cNvPr>
-          <p:cNvPicPr>
-            <a:picLocks noChangeAspect="1"/>
-          </p:cNvPicPr>
-          <p:nvPr/>
-        </p:nvPicPr>
-        <p:blipFill>
-          <a:blip r:embed="rId2"/>
-          <a:stretch>
-            <a:fillRect/>
-          </a:stretch>
-        </p:blipFill>
-        <p:spPr>
-          <a:xfrm>
-            <a:off x="370918" y="1027416"/>
-            <a:ext cx="6917576" cy="4564087"/>
-          </a:xfrm>
-          <a:prstGeom prst="rect">
-            <a:avLst/>
-          </a:prstGeom>
-        </p:spPr>
-      </p:pic>
-    </p:spTree>
-    <p:extLst>
-      <p:ext uri="{BB962C8B-B14F-4D97-AF65-F5344CB8AC3E}">
-        <p14:creationId xmlns:p14="http://schemas.microsoft.com/office/powerpoint/2010/main" val="2858731145"/>
-      </p:ext>
-    </p:extLst>
-  </p:cSld>
-  <p:clrMapOvr>
-    <a:masterClrMapping/>
-  </p:clrMapOvr>
-</p:sld>
-</file>
-
-<file path=ppt/slides/slide4.xml><?xml version="1.0" encoding="utf-8"?>
-<p:sld xmlns:a="http://schemas.openxmlformats.org/drawingml/2006/main" xmlns:r="http://schemas.openxmlformats.org/officeDocument/2006/relationships" xmlns:p="http://schemas.openxmlformats.org/presentationml/2006/main">
-  <p:cSld>
-    <p:spTree>
-      <p:nvGrpSpPr>
-        <p:cNvPr id="1" name=""/>
-        <p:cNvGrpSpPr/>
-        <p:nvPr/>
-      </p:nvGrpSpPr>
-      <p:grpSpPr>
-        <a:xfrm>
-          <a:off x="0" y="0"/>
-          <a:ext cx="0" cy="0"/>
-          <a:chOff x="0" y="0"/>
-          <a:chExt cx="0" cy="0"/>
-        </a:xfrm>
-      </p:grpSpPr>
-      <p:sp>
-        <p:nvSpPr>
-          <p:cNvPr id="2" name="Title 1">
-            <a:extLst>
-              <a:ext uri="{FF2B5EF4-FFF2-40B4-BE49-F238E27FC236}">
-                <a16:creationId xmlns:a16="http://schemas.microsoft.com/office/drawing/2014/main" id="{AA3A228F-61D0-D949-A5E7-F83756230BF8}"/>
-              </a:ext>
-            </a:extLst>
-          </p:cNvPr>
-          <p:cNvSpPr>
-            <a:spLocks noGrp="1"/>
-          </p:cNvSpPr>
-          <p:nvPr>
-            <p:ph type="title"/>
-          </p:nvPr>
-        </p:nvSpPr>
-        <p:spPr>
-          <a:xfrm>
-            <a:off x="134526" y="97158"/>
-            <a:ext cx="7053542" cy="683886"/>
-          </a:xfrm>
-        </p:spPr>
-        <p:txBody>
-          <a:bodyPr/>
-          <a:lstStyle/>
-          <a:p>
-            <a:r>
-              <a:rPr lang="en-US" dirty="0"/>
-              <a:t>Mixing Types</a:t>
-            </a:r>
-          </a:p>
-        </p:txBody>
-      </p:sp>
-      <p:sp>
-        <p:nvSpPr>
-          <p:cNvPr id="9" name="Content Placeholder 8">
-            <a:extLst>
-              <a:ext uri="{FF2B5EF4-FFF2-40B4-BE49-F238E27FC236}">
-                <a16:creationId xmlns:a16="http://schemas.microsoft.com/office/drawing/2014/main" id="{E3B2E017-30B2-884B-A113-B419A2ED51AD}"/>
-              </a:ext>
-            </a:extLst>
-          </p:cNvPr>
-          <p:cNvSpPr>
-            <a:spLocks noGrp="1"/>
-          </p:cNvSpPr>
-          <p:nvPr>
-            <p:ph idx="1"/>
-          </p:nvPr>
-        </p:nvSpPr>
-        <p:spPr>
-          <a:xfrm>
-            <a:off x="134526" y="781044"/>
-            <a:ext cx="8401047" cy="4933955"/>
-          </a:xfrm>
-        </p:spPr>
-        <p:txBody>
-          <a:bodyPr>
-            <a:noAutofit/>
-          </a:bodyPr>
-          <a:lstStyle/>
-          <a:p>
-            <a:pPr marL="0" indent="0">
-              <a:buNone/>
-            </a:pPr>
-            <a:r>
-              <a:rPr lang="en-US" sz="1900" dirty="0">
-                <a:latin typeface="Gill Sans MT" panose="020B0502020104020203" pitchFamily="34" charset="77"/>
-              </a:rPr>
-              <a:t>Any expression that two floats produce a float. </a:t>
-            </a:r>
-            <a:endParaRPr lang="en-US" sz="1900" b="1" dirty="0">
-              <a:latin typeface="Inconsolata" panose="020B0609030003000000" pitchFamily="49" charset="77"/>
-            </a:endParaRPr>
-          </a:p>
-          <a:p>
-            <a:pPr marL="0" indent="0">
-              <a:buNone/>
-            </a:pPr>
-            <a:r>
-              <a:rPr lang="en-US" sz="2000" b="1" dirty="0">
-                <a:latin typeface="Inconsolata" panose="020B0609030003000000" pitchFamily="49" charset="77"/>
-              </a:rPr>
-              <a:t>x</a:t>
-            </a:r>
-            <a:r>
-              <a:rPr lang="en-US" sz="2000" b="1" dirty="0">
-                <a:solidFill>
-                  <a:srgbClr val="000087"/>
-                </a:solidFill>
-                <a:latin typeface="Inconsolata" panose="020B0609030003000000" pitchFamily="49" charset="77"/>
-              </a:rPr>
-              <a:t> = </a:t>
-            </a:r>
-            <a:r>
-              <a:rPr lang="en-US" sz="2000" b="1" dirty="0">
-                <a:solidFill>
-                  <a:schemeClr val="accent2"/>
-                </a:solidFill>
-                <a:latin typeface="Inconsolata" panose="020B0609030003000000" pitchFamily="49" charset="77"/>
-              </a:rPr>
-              <a:t>17.0 – 10.0 </a:t>
-            </a:r>
-          </a:p>
-          <a:p>
-            <a:pPr marL="0" indent="0">
-              <a:buNone/>
-            </a:pPr>
-            <a:r>
-              <a:rPr lang="en-US" sz="2000" b="1" dirty="0">
-                <a:latin typeface="Inconsolata" panose="020B0609030003000000" pitchFamily="49" charset="77"/>
-              </a:rPr>
-              <a:t>print(x)		</a:t>
-            </a:r>
-            <a:r>
-              <a:rPr lang="en-US" sz="2000" b="1" dirty="0">
-                <a:solidFill>
-                  <a:schemeClr val="accent1"/>
-                </a:solidFill>
-                <a:latin typeface="Inconsolata" panose="020B0609030003000000" pitchFamily="49" charset="77"/>
-              </a:rPr>
-              <a:t># 7.0</a:t>
-            </a:r>
-          </a:p>
-          <a:p>
-            <a:pPr marL="0" indent="0">
-              <a:buNone/>
-            </a:pPr>
-            <a:endParaRPr lang="en-US" sz="2000" dirty="0"/>
-          </a:p>
-          <a:p>
-            <a:pPr marL="0" indent="0">
-              <a:buNone/>
-            </a:pPr>
-            <a:endParaRPr lang="en-US" sz="2000" dirty="0"/>
-          </a:p>
-          <a:p>
-            <a:pPr marL="0" indent="0">
-              <a:buNone/>
-            </a:pPr>
-            <a:r>
-              <a:rPr lang="en-US" sz="2000" dirty="0"/>
-              <a:t>When an expression’s operands are an int and a float, Python automatically converts the int to a float. </a:t>
-            </a:r>
-            <a:endParaRPr lang="en-US" sz="1900" b="1" dirty="0">
-              <a:latin typeface="Inconsolata" panose="020B0609030003000000" pitchFamily="49" charset="77"/>
-            </a:endParaRPr>
-          </a:p>
-          <a:p>
-            <a:pPr marL="0" indent="0">
-              <a:buNone/>
-            </a:pPr>
-            <a:endParaRPr lang="en-US" sz="2000" b="1" dirty="0">
-              <a:latin typeface="Inconsolata" panose="020B0609030003000000" pitchFamily="49" charset="77"/>
-            </a:endParaRPr>
-          </a:p>
-          <a:p>
-            <a:pPr marL="0" indent="0">
-              <a:buNone/>
-            </a:pPr>
-            <a:r>
-              <a:rPr lang="en-US" sz="2000" b="1" dirty="0">
-                <a:latin typeface="Inconsolata" panose="020B0609030003000000" pitchFamily="49" charset="77"/>
-              </a:rPr>
-              <a:t>x</a:t>
-            </a:r>
-            <a:r>
-              <a:rPr lang="en-US" sz="2000" b="1" dirty="0">
-                <a:solidFill>
-                  <a:srgbClr val="000087"/>
-                </a:solidFill>
-                <a:latin typeface="Inconsolata" panose="020B0609030003000000" pitchFamily="49" charset="77"/>
-              </a:rPr>
-              <a:t> = </a:t>
-            </a:r>
-            <a:r>
-              <a:rPr lang="en-US" sz="2000" b="1" dirty="0">
-                <a:solidFill>
-                  <a:schemeClr val="accent2"/>
-                </a:solidFill>
-                <a:latin typeface="Inconsolata" panose="020B0609030003000000" pitchFamily="49" charset="77"/>
-              </a:rPr>
-              <a:t>17.0 – 10</a:t>
-            </a:r>
-          </a:p>
-          <a:p>
-            <a:pPr marL="0" indent="0">
-              <a:buNone/>
-            </a:pPr>
-            <a:r>
-              <a:rPr lang="en-US" sz="2000" b="1" dirty="0">
-                <a:latin typeface="Inconsolata" panose="020B0609030003000000" pitchFamily="49" charset="77"/>
-              </a:rPr>
-              <a:t>print(x)		</a:t>
-            </a:r>
-            <a:r>
-              <a:rPr lang="en-US" sz="2000" b="1" dirty="0">
-                <a:solidFill>
-                  <a:schemeClr val="accent1"/>
-                </a:solidFill>
-                <a:latin typeface="Inconsolata" panose="020B0609030003000000" pitchFamily="49" charset="77"/>
-              </a:rPr>
-              <a:t># 7.0</a:t>
-            </a:r>
-          </a:p>
-          <a:p>
-            <a:pPr marL="0" indent="0">
-              <a:buNone/>
-            </a:pPr>
-            <a:r>
-              <a:rPr lang="en-US" sz="2000" b="1" dirty="0">
-                <a:latin typeface="Inconsolata" panose="020B0609030003000000" pitchFamily="49" charset="77"/>
-              </a:rPr>
-              <a:t>y</a:t>
-            </a:r>
-            <a:r>
-              <a:rPr lang="en-US" sz="2000" b="1" dirty="0">
-                <a:solidFill>
-                  <a:srgbClr val="000087"/>
-                </a:solidFill>
-                <a:latin typeface="Inconsolata" panose="020B0609030003000000" pitchFamily="49" charset="77"/>
-              </a:rPr>
-              <a:t> = </a:t>
-            </a:r>
-            <a:r>
-              <a:rPr lang="en-US" sz="2000" b="1" dirty="0">
-                <a:solidFill>
-                  <a:schemeClr val="accent2"/>
-                </a:solidFill>
-                <a:latin typeface="Inconsolata" panose="020B0609030003000000" pitchFamily="49" charset="77"/>
-              </a:rPr>
-              <a:t>17 – 10.0 </a:t>
-            </a:r>
-          </a:p>
-          <a:p>
-            <a:pPr marL="0" indent="0">
-              <a:buNone/>
-            </a:pPr>
-            <a:r>
-              <a:rPr lang="en-US" sz="2000" b="1" dirty="0">
-                <a:latin typeface="Inconsolata" panose="020B0609030003000000" pitchFamily="49" charset="77"/>
-              </a:rPr>
-              <a:t>print(y)		</a:t>
-            </a:r>
-            <a:r>
-              <a:rPr lang="en-US" sz="2000" b="1" dirty="0">
-                <a:solidFill>
-                  <a:schemeClr val="accent1"/>
-                </a:solidFill>
-                <a:latin typeface="Inconsolata" panose="020B0609030003000000" pitchFamily="49" charset="77"/>
-              </a:rPr>
-              <a:t># 7.0</a:t>
-            </a:r>
-          </a:p>
-          <a:p>
-            <a:pPr marL="0" indent="0">
-              <a:buNone/>
-            </a:pPr>
-            <a:endParaRPr lang="en-US" sz="2000" b="1" dirty="0">
-              <a:latin typeface="Inconsolata" panose="020B0609030003000000" pitchFamily="49" charset="77"/>
-            </a:endParaRPr>
-          </a:p>
-          <a:p>
-            <a:pPr marL="0" indent="0">
-              <a:buNone/>
-            </a:pPr>
-            <a:endParaRPr lang="en-US" sz="2000" b="1" dirty="0">
-              <a:latin typeface="Inconsolata" panose="020B0609030003000000" pitchFamily="49" charset="77"/>
-            </a:endParaRPr>
-          </a:p>
-          <a:p>
-            <a:pPr marL="0" indent="0">
-              <a:buNone/>
-            </a:pPr>
-            <a:endParaRPr lang="en-US" sz="1900" b="1" dirty="0">
-              <a:latin typeface="Inconsolata" panose="020B0609030003000000" pitchFamily="49" charset="77"/>
-            </a:endParaRPr>
-          </a:p>
-        </p:txBody>
-      </p:sp>
-    </p:spTree>
-    <p:extLst>
-      <p:ext uri="{BB962C8B-B14F-4D97-AF65-F5344CB8AC3E}">
-        <p14:creationId xmlns:p14="http://schemas.microsoft.com/office/powerpoint/2010/main" val="2187468341"/>
-      </p:ext>
-    </p:extLst>
-  </p:cSld>
-  <p:clrMapOvr>
-    <a:masterClrMapping/>
-  </p:clrMapOvr>
-  <p:timing>
-    <p:tnLst>
-      <p:par>
-        <p:cTn id="1" dur="indefinite" restart="never" nodeType="tmRoot">
-          <p:childTnLst>
-            <p:seq concurrent="1" nextAc="seek">
-              <p:cTn id="2" dur="indefinite" nodeType="mainSeq">
-                <p:childTnLst>
-                  <p:par>
-                    <p:cTn id="3" fill="hold">
-                      <p:stCondLst>
-                        <p:cond delay="indefinite"/>
-                      </p:stCondLst>
-                      <p:childTnLst>
-                        <p:par>
-                          <p:cTn id="4" fill="hold">
-                            <p:stCondLst>
-                              <p:cond delay="0"/>
-                            </p:stCondLst>
-                            <p:childTnLst>
-                              <p:par>
-                                <p:cTn id="5" presetID="1" presetClass="entr" presetSubtype="0" fill="hold" nodeType="clickEffect">
-                                  <p:stCondLst>
-                                    <p:cond delay="0"/>
-                                  </p:stCondLst>
-                                  <p:childTnLst>
-                                    <p:set>
-                                      <p:cBhvr>
-                                        <p:cTn id="6" dur="1" fill="hold">
-                                          <p:stCondLst>
-                                            <p:cond delay="0"/>
-                                          </p:stCondLst>
-                                        </p:cTn>
-                                        <p:tgtEl>
-                                          <p:spTgt spid="9">
-                                            <p:txEl>
-                                              <p:pRg st="5" end="5"/>
-                                            </p:txEl>
-                                          </p:spTgt>
-                                        </p:tgtEl>
-                                        <p:attrNameLst>
-                                          <p:attrName>style.visibility</p:attrName>
-                                        </p:attrNameLst>
-                                      </p:cBhvr>
-                                      <p:to>
-                                        <p:strVal val="visible"/>
-                                      </p:to>
-                                    </p:set>
-                                  </p:childTnLst>
-                                </p:cTn>
-                              </p:par>
-                            </p:childTnLst>
-                          </p:cTn>
-                        </p:par>
-                      </p:childTnLst>
-                    </p:cTn>
-                  </p:par>
-                </p:childTnLst>
-              </p:cTn>
-              <p:prevCondLst>
-                <p:cond evt="onPrev" delay="0">
-                  <p:tgtEl>
-                    <p:sldTgt/>
-                  </p:tgtEl>
-                </p:cond>
-              </p:prevCondLst>
-              <p:nextCondLst>
-                <p:cond evt="onNext" delay="0">
-                  <p:tgtEl>
-                    <p:sldTgt/>
-                  </p:tgtEl>
-                </p:cond>
-              </p:nextCondLst>
-            </p:seq>
-          </p:childTnLst>
-        </p:cTn>
-      </p:par>
-    </p:tnLst>
-  </p:timing>
-</p:sld>
-</file>
-
-<file path=ppt/slides/slide5.xml><?xml version="1.0" encoding="utf-8"?>
-<p:sld xmlns:a="http://schemas.openxmlformats.org/drawingml/2006/main" xmlns:r="http://schemas.openxmlformats.org/officeDocument/2006/relationships" xmlns:p="http://schemas.openxmlformats.org/presentationml/2006/main">
-  <p:cSld>
-    <p:spTree>
-      <p:nvGrpSpPr>
-        <p:cNvPr id="1" name=""/>
-        <p:cNvGrpSpPr/>
-        <p:nvPr/>
-      </p:nvGrpSpPr>
-      <p:grpSpPr>
-        <a:xfrm>
-          <a:off x="0" y="0"/>
-          <a:ext cx="0" cy="0"/>
-          <a:chOff x="0" y="0"/>
-          <a:chExt cx="0" cy="0"/>
-        </a:xfrm>
-      </p:grpSpPr>
-      <p:sp>
-        <p:nvSpPr>
-          <p:cNvPr id="2" name="Title 1">
-            <a:extLst>
-              <a:ext uri="{FF2B5EF4-FFF2-40B4-BE49-F238E27FC236}">
-                <a16:creationId xmlns:a16="http://schemas.microsoft.com/office/drawing/2014/main" id="{AA3A228F-61D0-D949-A5E7-F83756230BF8}"/>
-              </a:ext>
-            </a:extLst>
-          </p:cNvPr>
-          <p:cNvSpPr>
-            <a:spLocks noGrp="1"/>
-          </p:cNvSpPr>
-          <p:nvPr>
-            <p:ph type="title"/>
-          </p:nvPr>
-        </p:nvSpPr>
-        <p:spPr>
-          <a:xfrm>
-            <a:off x="124253" y="148528"/>
-            <a:ext cx="7053542" cy="683886"/>
-          </a:xfrm>
-        </p:spPr>
-        <p:txBody>
-          <a:bodyPr/>
-          <a:lstStyle/>
-          <a:p>
-            <a:r>
-              <a:rPr lang="en-US" dirty="0"/>
-              <a:t>True Division vs Floor Division</a:t>
-            </a:r>
-          </a:p>
-        </p:txBody>
-      </p:sp>
-      <p:sp>
-        <p:nvSpPr>
-          <p:cNvPr id="9" name="Content Placeholder 8">
-            <a:extLst>
-              <a:ext uri="{FF2B5EF4-FFF2-40B4-BE49-F238E27FC236}">
-                <a16:creationId xmlns:a16="http://schemas.microsoft.com/office/drawing/2014/main" id="{E3B2E017-30B2-884B-A113-B419A2ED51AD}"/>
-              </a:ext>
-            </a:extLst>
-          </p:cNvPr>
-          <p:cNvSpPr>
-            <a:spLocks noGrp="1"/>
-          </p:cNvSpPr>
-          <p:nvPr>
-            <p:ph idx="1"/>
-          </p:nvPr>
-        </p:nvSpPr>
-        <p:spPr>
-          <a:xfrm>
-            <a:off x="124254" y="750014"/>
-            <a:ext cx="8411320" cy="4964986"/>
-          </a:xfrm>
-        </p:spPr>
-        <p:txBody>
-          <a:bodyPr>
-            <a:noAutofit/>
-          </a:bodyPr>
-          <a:lstStyle/>
-          <a:p>
-            <a:pPr marL="0" indent="0">
-              <a:buNone/>
-            </a:pPr>
-            <a:r>
-              <a:rPr lang="en-US" sz="2000" dirty="0">
-                <a:latin typeface="Gill Sans MT" panose="020B0502020104020203" pitchFamily="34" charset="77"/>
-              </a:rPr>
-              <a:t>The operator / is true division and the operator // returns floor division(round down after true divide).</a:t>
-            </a:r>
-            <a:endParaRPr lang="en-US" sz="2000" b="1" dirty="0">
-              <a:latin typeface="Inconsolata" panose="020B0609030003000000" pitchFamily="49" charset="77"/>
-            </a:endParaRPr>
-          </a:p>
-          <a:p>
-            <a:pPr marL="0" indent="0">
-              <a:buNone/>
-            </a:pPr>
-            <a:endParaRPr lang="en-US" sz="2000" b="1" dirty="0">
-              <a:solidFill>
-                <a:srgbClr val="000087"/>
-              </a:solidFill>
-              <a:latin typeface="Inconsolata" panose="020B0609030003000000" pitchFamily="49" charset="77"/>
-            </a:endParaRPr>
-          </a:p>
-          <a:p>
-            <a:pPr marL="0" indent="0">
-              <a:buNone/>
-            </a:pPr>
-            <a:r>
-              <a:rPr lang="en-US" b="1" dirty="0">
-                <a:solidFill>
-                  <a:srgbClr val="000087"/>
-                </a:solidFill>
-                <a:latin typeface="Inconsolata" panose="020B0609030003000000" pitchFamily="49" charset="77"/>
-              </a:rPr>
-              <a:t>print(</a:t>
-            </a:r>
-            <a:r>
-              <a:rPr lang="en-US" b="1" dirty="0">
-                <a:latin typeface="Inconsolata" panose="020B0609030003000000" pitchFamily="49" charset="77"/>
-              </a:rPr>
-              <a:t>23 // 7)</a:t>
-            </a:r>
-            <a:r>
-              <a:rPr lang="en-US" b="1" dirty="0">
-                <a:solidFill>
-                  <a:srgbClr val="FF6600"/>
-                </a:solidFill>
-                <a:latin typeface="Inconsolata" panose="020B0609030003000000" pitchFamily="49" charset="77"/>
-              </a:rPr>
-              <a:t> 	</a:t>
-            </a:r>
-            <a:r>
-              <a:rPr lang="en-US" b="1" dirty="0">
-                <a:solidFill>
-                  <a:schemeClr val="accent1"/>
-                </a:solidFill>
-                <a:latin typeface="Inconsolata" panose="020B0609030003000000" pitchFamily="49" charset="77"/>
-              </a:rPr>
-              <a:t># 3</a:t>
-            </a:r>
-          </a:p>
-          <a:p>
-            <a:pPr marL="0" indent="0">
-              <a:buNone/>
-            </a:pPr>
-            <a:r>
-              <a:rPr lang="en-US" b="1" dirty="0">
-                <a:solidFill>
-                  <a:srgbClr val="000087"/>
-                </a:solidFill>
-                <a:latin typeface="Inconsolata" panose="020B0609030003000000" pitchFamily="49" charset="77"/>
-              </a:rPr>
-              <a:t>print(</a:t>
-            </a:r>
-            <a:r>
-              <a:rPr lang="en-US" b="1" dirty="0">
-                <a:latin typeface="Inconsolata" panose="020B0609030003000000" pitchFamily="49" charset="77"/>
-              </a:rPr>
-              <a:t>3 // 9)		</a:t>
-            </a:r>
-            <a:r>
-              <a:rPr lang="en-US" b="1" dirty="0">
-                <a:solidFill>
-                  <a:schemeClr val="accent1"/>
-                </a:solidFill>
-                <a:latin typeface="Inconsolata" panose="020B0609030003000000" pitchFamily="49" charset="77"/>
-              </a:rPr>
-              <a:t># 0</a:t>
-            </a:r>
-            <a:r>
-              <a:rPr lang="en-US" b="1" dirty="0">
-                <a:solidFill>
-                  <a:srgbClr val="FF6600"/>
-                </a:solidFill>
-                <a:latin typeface="Inconsolata" panose="020B0609030003000000" pitchFamily="49" charset="77"/>
-              </a:rPr>
-              <a:t> </a:t>
-            </a:r>
-            <a:endParaRPr lang="en-US" b="1" dirty="0">
-              <a:latin typeface="Inconsolata" panose="020B0609030003000000" pitchFamily="49" charset="77"/>
-            </a:endParaRPr>
-          </a:p>
-          <a:p>
-            <a:pPr marL="0" indent="0">
-              <a:buNone/>
-            </a:pPr>
-            <a:r>
-              <a:rPr lang="en-US" b="1" dirty="0">
-                <a:solidFill>
-                  <a:srgbClr val="000087"/>
-                </a:solidFill>
-                <a:latin typeface="Inconsolata" panose="020B0609030003000000" pitchFamily="49" charset="77"/>
-              </a:rPr>
-              <a:t>print(</a:t>
-            </a:r>
-            <a:r>
-              <a:rPr lang="en-US" b="1" dirty="0">
-                <a:latin typeface="Inconsolata" panose="020B0609030003000000" pitchFamily="49" charset="77"/>
-              </a:rPr>
-              <a:t>-4 // 3)</a:t>
-            </a:r>
-            <a:r>
-              <a:rPr lang="en-US" b="1" dirty="0">
-                <a:solidFill>
-                  <a:srgbClr val="FF6600"/>
-                </a:solidFill>
-                <a:latin typeface="Inconsolata" panose="020B0609030003000000" pitchFamily="49" charset="77"/>
-              </a:rPr>
-              <a:t> 	</a:t>
-            </a:r>
-            <a:r>
-              <a:rPr lang="en-US" b="1" dirty="0">
-                <a:solidFill>
-                  <a:schemeClr val="accent1"/>
-                </a:solidFill>
-                <a:latin typeface="Inconsolata" panose="020B0609030003000000" pitchFamily="49" charset="77"/>
-              </a:rPr>
-              <a:t># -2</a:t>
-            </a:r>
-          </a:p>
-          <a:p>
-            <a:pPr marL="0" indent="0">
-              <a:buNone/>
-            </a:pPr>
-            <a:r>
-              <a:rPr lang="en-US" b="1" dirty="0">
-                <a:solidFill>
-                  <a:srgbClr val="000087"/>
-                </a:solidFill>
-                <a:latin typeface="Inconsolata" panose="020B0609030003000000" pitchFamily="49" charset="77"/>
-              </a:rPr>
-              <a:t>print(</a:t>
-            </a:r>
-            <a:r>
-              <a:rPr lang="en-US" b="1" dirty="0">
-                <a:latin typeface="Inconsolata" panose="020B0609030003000000" pitchFamily="49" charset="77"/>
-              </a:rPr>
-              <a:t>6 / 5)</a:t>
-            </a:r>
-            <a:r>
-              <a:rPr lang="en-US" b="1" dirty="0">
-                <a:solidFill>
-                  <a:srgbClr val="FF6600"/>
-                </a:solidFill>
-                <a:latin typeface="Inconsolata" panose="020B0609030003000000" pitchFamily="49" charset="77"/>
-              </a:rPr>
-              <a:t>		</a:t>
-            </a:r>
-            <a:r>
-              <a:rPr lang="en-US" b="1" dirty="0">
-                <a:solidFill>
-                  <a:schemeClr val="accent1"/>
-                </a:solidFill>
-                <a:latin typeface="Inconsolata" panose="020B0609030003000000" pitchFamily="49" charset="77"/>
-              </a:rPr>
-              <a:t># 1.2</a:t>
-            </a:r>
-          </a:p>
-          <a:p>
-            <a:pPr marL="0" indent="0">
-              <a:buNone/>
-            </a:pPr>
-            <a:endParaRPr lang="en-US" b="1" dirty="0">
-              <a:latin typeface="Inconsolata" panose="020B0609030003000000" pitchFamily="49" charset="77"/>
-            </a:endParaRPr>
-          </a:p>
-          <a:p>
-            <a:pPr marL="0" indent="0">
-              <a:buNone/>
-            </a:pPr>
-            <a:endParaRPr lang="en-US" sz="1800" b="1" dirty="0">
-              <a:latin typeface="Inconsolata" panose="020B0609030003000000" pitchFamily="49" charset="77"/>
-            </a:endParaRPr>
-          </a:p>
-          <a:p>
-            <a:pPr marL="0" indent="0">
-              <a:buNone/>
-            </a:pPr>
-            <a:endParaRPr lang="en-US" sz="1900" dirty="0">
-              <a:latin typeface="Gill Sans MT" panose="020B0502020104020203" pitchFamily="34" charset="77"/>
-            </a:endParaRPr>
-          </a:p>
-          <a:p>
-            <a:pPr marL="0" indent="0">
-              <a:buNone/>
-            </a:pPr>
-            <a:endParaRPr lang="en-US" sz="1900" dirty="0">
-              <a:latin typeface="Gill Sans MT" panose="020B0502020104020203" pitchFamily="34" charset="77"/>
-            </a:endParaRPr>
-          </a:p>
-          <a:p>
-            <a:pPr marL="0" indent="0">
-              <a:buNone/>
-            </a:pPr>
-            <a:endParaRPr lang="en-US" sz="1900" dirty="0">
-              <a:latin typeface="Gill Sans MT" panose="020B0502020104020203" pitchFamily="34" charset="77"/>
-            </a:endParaRPr>
-          </a:p>
-        </p:txBody>
-      </p:sp>
-    </p:spTree>
-    <p:extLst>
-      <p:ext uri="{BB962C8B-B14F-4D97-AF65-F5344CB8AC3E}">
-        <p14:creationId xmlns:p14="http://schemas.microsoft.com/office/powerpoint/2010/main" val="1445414918"/>
-      </p:ext>
-    </p:extLst>
-  </p:cSld>
-  <p:clrMapOvr>
-    <a:masterClrMapping/>
-  </p:clrMapOvr>
-  <p:timing>
-    <p:tnLst>
-      <p:par>
-        <p:cTn id="1" dur="indefinite" restart="never" nodeType="tmRoot">
-          <p:childTnLst>
-            <p:seq concurrent="1" nextAc="seek">
-              <p:cTn id="2" dur="indefinite" nodeType="mainSeq">
-                <p:childTnLst>
-                  <p:par>
-                    <p:cTn id="3" fill="hold">
-                      <p:stCondLst>
-                        <p:cond delay="indefinite"/>
-                      </p:stCondLst>
-                      <p:childTnLst>
-                        <p:par>
-                          <p:cTn id="4" fill="hold">
-                            <p:stCondLst>
-                              <p:cond delay="0"/>
-                            </p:stCondLst>
-                            <p:childTnLst>
-                              <p:par>
-                                <p:cTn id="5" presetID="1" presetClass="entr" presetSubtype="0" fill="hold" nodeType="clickEffect">
-                                  <p:stCondLst>
-                                    <p:cond delay="0"/>
-                                  </p:stCondLst>
-                                  <p:childTnLst>
-                                    <p:set>
-                                      <p:cBhvr>
-                                        <p:cTn id="6" dur="1" fill="hold">
-                                          <p:stCondLst>
-                                            <p:cond delay="0"/>
-                                          </p:stCondLst>
-                                        </p:cTn>
-                                        <p:tgtEl>
-                                          <p:spTgt spid="9">
-                                            <p:txEl>
-                                              <p:pRg st="2" end="2"/>
-                                            </p:txEl>
-                                          </p:spTgt>
-                                        </p:tgtEl>
-                                        <p:attrNameLst>
-                                          <p:attrName>style.visibility</p:attrName>
-                                        </p:attrNameLst>
-                                      </p:cBhvr>
-                                      <p:to>
-                                        <p:strVal val="visible"/>
-                                      </p:to>
-                                    </p:set>
-                                  </p:childTnLst>
-                                </p:cTn>
-                              </p:par>
-                            </p:childTnLst>
-                          </p:cTn>
-                        </p:par>
-                      </p:childTnLst>
-                    </p:cTn>
-                  </p:par>
-                  <p:par>
-                    <p:cTn id="7" fill="hold">
-                      <p:stCondLst>
-                        <p:cond delay="indefinite"/>
-                      </p:stCondLst>
-                      <p:childTnLst>
-                        <p:par>
-                          <p:cTn id="8" fill="hold">
-                            <p:stCondLst>
-                              <p:cond delay="0"/>
-                            </p:stCondLst>
-                            <p:childTnLst>
-                              <p:par>
-                                <p:cTn id="9" presetID="1" presetClass="entr" presetSubtype="0" fill="hold" nodeType="clickEffect">
-                                  <p:stCondLst>
-                                    <p:cond delay="0"/>
-                                  </p:stCondLst>
-                                  <p:childTnLst>
-                                    <p:set>
-                                      <p:cBhvr>
-                                        <p:cTn id="10" dur="1" fill="hold">
-                                          <p:stCondLst>
-                                            <p:cond delay="0"/>
-                                          </p:stCondLst>
-                                        </p:cTn>
-                                        <p:tgtEl>
-                                          <p:spTgt spid="9">
-                                            <p:txEl>
-                                              <p:pRg st="3" end="3"/>
-                                            </p:txEl>
-                                          </p:spTgt>
-                                        </p:tgtEl>
-                                        <p:attrNameLst>
-                                          <p:attrName>style.visibility</p:attrName>
-                                        </p:attrNameLst>
-                                      </p:cBhvr>
-                                      <p:to>
-                                        <p:strVal val="visible"/>
-                                      </p:to>
-                                    </p:set>
-                                  </p:childTnLst>
-                                </p:cTn>
-                              </p:par>
-                            </p:childTnLst>
-                          </p:cTn>
-                        </p:par>
-                      </p:childTnLst>
-                    </p:cTn>
-                  </p:par>
-                  <p:par>
-                    <p:cTn id="11" fill="hold">
-                      <p:stCondLst>
-                        <p:cond delay="indefinite"/>
-                      </p:stCondLst>
-                      <p:childTnLst>
-                        <p:par>
-                          <p:cTn id="12" fill="hold">
-                            <p:stCondLst>
-                              <p:cond delay="0"/>
-                            </p:stCondLst>
-                            <p:childTnLst>
-                              <p:par>
-                                <p:cTn id="13" presetID="1" presetClass="entr" presetSubtype="0" fill="hold" nodeType="clickEffect">
-                                  <p:stCondLst>
-                                    <p:cond delay="0"/>
-                                  </p:stCondLst>
-                                  <p:childTnLst>
-                                    <p:set>
-                                      <p:cBhvr>
-                                        <p:cTn id="14" dur="1" fill="hold">
-                                          <p:stCondLst>
-                                            <p:cond delay="0"/>
-                                          </p:stCondLst>
-                                        </p:cTn>
-                                        <p:tgtEl>
-                                          <p:spTgt spid="9">
-                                            <p:txEl>
-                                              <p:pRg st="4" end="4"/>
-                                            </p:txEl>
-                                          </p:spTgt>
-                                        </p:tgtEl>
-                                        <p:attrNameLst>
-                                          <p:attrName>style.visibility</p:attrName>
-                                        </p:attrNameLst>
-                                      </p:cBhvr>
-                                      <p:to>
-                                        <p:strVal val="visible"/>
-                                      </p:to>
-                                    </p:set>
-                                  </p:childTnLst>
-                                </p:cTn>
-                              </p:par>
-                            </p:childTnLst>
-                          </p:cTn>
-                        </p:par>
-                      </p:childTnLst>
-                    </p:cTn>
-                  </p:par>
-                  <p:par>
-                    <p:cTn id="15" fill="hold">
-                      <p:stCondLst>
-                        <p:cond delay="indefinite"/>
-                      </p:stCondLst>
-                      <p:childTnLst>
-                        <p:par>
-                          <p:cTn id="16" fill="hold">
-                            <p:stCondLst>
-                              <p:cond delay="0"/>
-                            </p:stCondLst>
-                            <p:childTnLst>
-                              <p:par>
-                                <p:cTn id="17" presetID="1" presetClass="entr" presetSubtype="0" fill="hold" nodeType="clickEffect">
-                                  <p:stCondLst>
-                                    <p:cond delay="0"/>
-                                  </p:stCondLst>
-                                  <p:childTnLst>
-                                    <p:set>
-                                      <p:cBhvr>
-                                        <p:cTn id="18" dur="1" fill="hold">
-                                          <p:stCondLst>
-                                            <p:cond delay="0"/>
-                                          </p:stCondLst>
-                                        </p:cTn>
-                                        <p:tgtEl>
-                                          <p:spTgt spid="9">
-                                            <p:txEl>
-                                              <p:pRg st="5" end="5"/>
+                                              <p:pRg st="6" end="6"/>
                                             </p:txEl>
                                           </p:spTgt>
                                         </p:tgtEl>
@@ -15944,7 +16474,7 @@
         <p:spPr>
           <a:xfrm>
             <a:off x="165350" y="737568"/>
-            <a:ext cx="8370224" cy="4977432"/>
+            <a:ext cx="8978650" cy="4977432"/>
           </a:xfrm>
         </p:spPr>
         <p:txBody>
@@ -16047,13 +16577,22 @@
               <a:t> 		</a:t>
             </a:r>
             <a:r>
-              <a:rPr lang="en-US" sz="2000" b="1" dirty="0">
+              <a:rPr lang="en-US" sz="1900" b="1">
                 <a:solidFill>
                   <a:schemeClr val="accent1"/>
                 </a:solidFill>
                 <a:latin typeface="Inconsolata" panose="020B0609030003000000" pitchFamily="49" charset="77"/>
               </a:rPr>
-              <a:t># 2</a:t>
+              <a:t># 2, if </a:t>
+            </a:r>
+            <a:r>
+              <a:rPr lang="en-US" sz="1900" b="1" dirty="0">
+                <a:solidFill>
+                  <a:schemeClr val="accent1"/>
+                </a:solidFill>
+                <a:latin typeface="Inconsolata" panose="020B0609030003000000" pitchFamily="49" charset="77"/>
+              </a:rPr>
+              <a:t>first number is smaller, it's the answer</a:t>
             </a:r>
           </a:p>
           <a:p>
